--- a/P07_07_presentation.pptx
+++ b/P07_07_presentation.pptx
@@ -5,39 +5,40 @@
     <p:sldMasterId id="2147483670" r:id="rId1"/>
   </p:sldMasterIdLst>
   <p:notesMasterIdLst>
-    <p:notesMasterId r:id="rId17"/>
+    <p:notesMasterId r:id="rId18"/>
   </p:notesMasterIdLst>
   <p:handoutMasterIdLst>
-    <p:handoutMasterId r:id="rId18"/>
+    <p:handoutMasterId r:id="rId19"/>
   </p:handoutMasterIdLst>
   <p:sldIdLst>
     <p:sldId id="256" r:id="rId2"/>
     <p:sldId id="296" r:id="rId3"/>
-    <p:sldId id="297" r:id="rId4"/>
-    <p:sldId id="300" r:id="rId5"/>
-    <p:sldId id="302" r:id="rId6"/>
-    <p:sldId id="356" r:id="rId7"/>
-    <p:sldId id="357" r:id="rId8"/>
-    <p:sldId id="358" r:id="rId9"/>
-    <p:sldId id="359" r:id="rId10"/>
-    <p:sldId id="360" r:id="rId11"/>
-    <p:sldId id="361" r:id="rId12"/>
-    <p:sldId id="362" r:id="rId13"/>
-    <p:sldId id="363" r:id="rId14"/>
-    <p:sldId id="364" r:id="rId15"/>
-    <p:sldId id="299" r:id="rId16"/>
+    <p:sldId id="365" r:id="rId4"/>
+    <p:sldId id="297" r:id="rId5"/>
+    <p:sldId id="300" r:id="rId6"/>
+    <p:sldId id="302" r:id="rId7"/>
+    <p:sldId id="356" r:id="rId8"/>
+    <p:sldId id="357" r:id="rId9"/>
+    <p:sldId id="358" r:id="rId10"/>
+    <p:sldId id="359" r:id="rId11"/>
+    <p:sldId id="360" r:id="rId12"/>
+    <p:sldId id="361" r:id="rId13"/>
+    <p:sldId id="362" r:id="rId14"/>
+    <p:sldId id="363" r:id="rId15"/>
+    <p:sldId id="364" r:id="rId16"/>
+    <p:sldId id="299" r:id="rId17"/>
   </p:sldIdLst>
   <p:sldSz cx="9144000" cy="5143500" type="screen16x9"/>
   <p:notesSz cx="6858000" cy="9144000"/>
   <p:embeddedFontLst>
     <p:embeddedFont>
       <p:font typeface="Share Tech" panose="020B0604020202020204" charset="0"/>
-      <p:regular r:id="rId19"/>
+      <p:regular r:id="rId20"/>
     </p:embeddedFont>
     <p:embeddedFont>
       <p:font typeface="Maven Pro" panose="020B0604020202020204" charset="0"/>
-      <p:regular r:id="rId20"/>
-      <p:bold r:id="rId21"/>
+      <p:regular r:id="rId21"/>
+      <p:bold r:id="rId22"/>
     </p:embeddedFont>
   </p:embeddedFontLst>
   <p:defaultTextStyle>
@@ -362,7 +363,7 @@
           <a:p>
             <a:fld id="{8797E6BD-F3B3-43F5-A96C-56A13815DED8}" type="datetimeFigureOut">
               <a:rPr lang="fr-FR" smtClean="0"/>
-              <a:t>17/06/2022</a:t>
+              <a:t>29/06/2022</a:t>
             </a:fld>
             <a:endParaRPr lang="fr-FR"/>
           </a:p>
@@ -10399,7 +10400,7 @@
             <a:pPr marL="0" indent="0"/>
             <a:r>
               <a:rPr lang="en-US" sz="1400" dirty="0" smtClean="0"/>
-              <a:t>17/06/2022</a:t>
+              <a:t>28/06/2022</a:t>
             </a:r>
             <a:endParaRPr lang="en-US" sz="1400" dirty="0"/>
           </a:p>
@@ -12830,11 +12831,813 @@
               </a:rPr>
               <a:t>Approche modèle sur mesure simple</a:t>
             </a:r>
-            <a:endParaRPr lang="fr-FR" dirty="0">
+          </a:p>
+        </p:txBody>
+      </p:sp>
+      <p:sp>
+        <p:nvSpPr>
+          <p:cNvPr id="6" name="Espace réservé du texte 1"/>
+          <p:cNvSpPr txBox="1">
+            <a:spLocks/>
+          </p:cNvSpPr>
+          <p:nvPr/>
+        </p:nvSpPr>
+        <p:spPr>
+          <a:xfrm>
+            <a:off x="495371" y="949962"/>
+            <a:ext cx="6826704" cy="376951"/>
+          </a:xfrm>
+          <a:prstGeom prst="rect">
+            <a:avLst/>
+          </a:prstGeom>
+          <a:noFill/>
+          <a:ln>
+            <a:noFill/>
+          </a:ln>
+        </p:spPr>
+        <p:txBody>
+          <a:bodyPr spcFirstLastPara="1" wrap="square" lIns="91425" tIns="91425" rIns="91425" bIns="91425" anchor="t" anchorCtr="0">
+            <a:noAutofit/>
+          </a:bodyPr>
+          <a:lstStyle>
+            <a:defPPr marR="0" lvl="0" algn="l" rtl="0">
+              <a:lnSpc>
+                <a:spcPct val="100000"/>
+              </a:lnSpc>
+              <a:spcBef>
+                <a:spcPts val="0"/>
+              </a:spcBef>
+              <a:spcAft>
+                <a:spcPts val="0"/>
+              </a:spcAft>
+            </a:defPPr>
+            <a:lvl1pPr marL="457200" marR="0" lvl="0" indent="-342900" algn="l" rtl="0">
+              <a:lnSpc>
+                <a:spcPct val="100000"/>
+              </a:lnSpc>
+              <a:spcBef>
+                <a:spcPts val="0"/>
+              </a:spcBef>
+              <a:spcAft>
+                <a:spcPts val="0"/>
+              </a:spcAft>
+              <a:buClr>
+                <a:schemeClr val="lt1"/>
+              </a:buClr>
+              <a:buSzPts val="1800"/>
+              <a:buFont typeface="Maven Pro"/>
+              <a:buChar char="●"/>
+              <a:defRPr sz="1800" b="0" i="0" u="none" strike="noStrike" cap="none">
+                <a:solidFill>
+                  <a:schemeClr val="lt1"/>
+                </a:solidFill>
+                <a:latin typeface="Maven Pro"/>
+                <a:ea typeface="Maven Pro"/>
+                <a:cs typeface="Maven Pro"/>
+                <a:sym typeface="Maven Pro"/>
+              </a:defRPr>
+            </a:lvl1pPr>
+            <a:lvl2pPr marL="914400" marR="0" lvl="1" indent="-317500" algn="l" rtl="0">
+              <a:lnSpc>
+                <a:spcPct val="115000"/>
+              </a:lnSpc>
+              <a:spcBef>
+                <a:spcPts val="0"/>
+              </a:spcBef>
+              <a:spcAft>
+                <a:spcPts val="0"/>
+              </a:spcAft>
+              <a:buClr>
+                <a:schemeClr val="lt1"/>
+              </a:buClr>
+              <a:buSzPts val="1400"/>
+              <a:buFont typeface="Maven Pro"/>
+              <a:buChar char="○"/>
+              <a:defRPr sz="1400" b="0" i="0" u="none" strike="noStrike" cap="none">
+                <a:solidFill>
+                  <a:schemeClr val="lt1"/>
+                </a:solidFill>
+                <a:latin typeface="Maven Pro"/>
+                <a:ea typeface="Maven Pro"/>
+                <a:cs typeface="Maven Pro"/>
+                <a:sym typeface="Maven Pro"/>
+              </a:defRPr>
+            </a:lvl2pPr>
+            <a:lvl3pPr marL="1371600" marR="0" lvl="2" indent="-317500" algn="l" rtl="0">
+              <a:lnSpc>
+                <a:spcPct val="115000"/>
+              </a:lnSpc>
+              <a:spcBef>
+                <a:spcPts val="1600"/>
+              </a:spcBef>
+              <a:spcAft>
+                <a:spcPts val="0"/>
+              </a:spcAft>
+              <a:buClr>
+                <a:schemeClr val="lt1"/>
+              </a:buClr>
+              <a:buSzPts val="1400"/>
+              <a:buFont typeface="Maven Pro"/>
+              <a:buChar char="■"/>
+              <a:defRPr sz="1400" b="0" i="0" u="none" strike="noStrike" cap="none">
+                <a:solidFill>
+                  <a:schemeClr val="lt1"/>
+                </a:solidFill>
+                <a:latin typeface="Maven Pro"/>
+                <a:ea typeface="Maven Pro"/>
+                <a:cs typeface="Maven Pro"/>
+                <a:sym typeface="Maven Pro"/>
+              </a:defRPr>
+            </a:lvl3pPr>
+            <a:lvl4pPr marL="1828800" marR="0" lvl="3" indent="-317500" algn="l" rtl="0">
+              <a:lnSpc>
+                <a:spcPct val="115000"/>
+              </a:lnSpc>
+              <a:spcBef>
+                <a:spcPts val="1600"/>
+              </a:spcBef>
+              <a:spcAft>
+                <a:spcPts val="0"/>
+              </a:spcAft>
+              <a:buClr>
+                <a:schemeClr val="lt1"/>
+              </a:buClr>
+              <a:buSzPts val="1400"/>
+              <a:buFont typeface="Maven Pro"/>
+              <a:buChar char="●"/>
+              <a:defRPr sz="1400" b="0" i="0" u="none" strike="noStrike" cap="none">
+                <a:solidFill>
+                  <a:schemeClr val="lt1"/>
+                </a:solidFill>
+                <a:latin typeface="Maven Pro"/>
+                <a:ea typeface="Maven Pro"/>
+                <a:cs typeface="Maven Pro"/>
+                <a:sym typeface="Maven Pro"/>
+              </a:defRPr>
+            </a:lvl4pPr>
+            <a:lvl5pPr marL="2286000" marR="0" lvl="4" indent="-317500" algn="l" rtl="0">
+              <a:lnSpc>
+                <a:spcPct val="115000"/>
+              </a:lnSpc>
+              <a:spcBef>
+                <a:spcPts val="1600"/>
+              </a:spcBef>
+              <a:spcAft>
+                <a:spcPts val="0"/>
+              </a:spcAft>
+              <a:buClr>
+                <a:schemeClr val="lt1"/>
+              </a:buClr>
+              <a:buSzPts val="1400"/>
+              <a:buFont typeface="Maven Pro"/>
+              <a:buChar char="○"/>
+              <a:defRPr sz="1400" b="0" i="0" u="none" strike="noStrike" cap="none">
+                <a:solidFill>
+                  <a:schemeClr val="lt1"/>
+                </a:solidFill>
+                <a:latin typeface="Maven Pro"/>
+                <a:ea typeface="Maven Pro"/>
+                <a:cs typeface="Maven Pro"/>
+                <a:sym typeface="Maven Pro"/>
+              </a:defRPr>
+            </a:lvl5pPr>
+            <a:lvl6pPr marL="2743200" marR="0" lvl="5" indent="-317500" algn="l" rtl="0">
+              <a:lnSpc>
+                <a:spcPct val="115000"/>
+              </a:lnSpc>
+              <a:spcBef>
+                <a:spcPts val="1600"/>
+              </a:spcBef>
+              <a:spcAft>
+                <a:spcPts val="0"/>
+              </a:spcAft>
+              <a:buClr>
+                <a:schemeClr val="lt1"/>
+              </a:buClr>
+              <a:buSzPts val="1400"/>
+              <a:buFont typeface="Maven Pro"/>
+              <a:buChar char="■"/>
+              <a:defRPr sz="1400" b="0" i="0" u="none" strike="noStrike" cap="none">
+                <a:solidFill>
+                  <a:schemeClr val="lt1"/>
+                </a:solidFill>
+                <a:latin typeface="Maven Pro"/>
+                <a:ea typeface="Maven Pro"/>
+                <a:cs typeface="Maven Pro"/>
+                <a:sym typeface="Maven Pro"/>
+              </a:defRPr>
+            </a:lvl6pPr>
+            <a:lvl7pPr marL="3200400" marR="0" lvl="6" indent="-317500" algn="l" rtl="0">
+              <a:lnSpc>
+                <a:spcPct val="115000"/>
+              </a:lnSpc>
+              <a:spcBef>
+                <a:spcPts val="1600"/>
+              </a:spcBef>
+              <a:spcAft>
+                <a:spcPts val="0"/>
+              </a:spcAft>
+              <a:buClr>
+                <a:schemeClr val="lt1"/>
+              </a:buClr>
+              <a:buSzPts val="1400"/>
+              <a:buFont typeface="Maven Pro"/>
+              <a:buChar char="●"/>
+              <a:defRPr sz="1400" b="0" i="0" u="none" strike="noStrike" cap="none">
+                <a:solidFill>
+                  <a:schemeClr val="lt1"/>
+                </a:solidFill>
+                <a:latin typeface="Maven Pro"/>
+                <a:ea typeface="Maven Pro"/>
+                <a:cs typeface="Maven Pro"/>
+                <a:sym typeface="Maven Pro"/>
+              </a:defRPr>
+            </a:lvl7pPr>
+            <a:lvl8pPr marL="3657600" marR="0" lvl="7" indent="-317500" algn="l" rtl="0">
+              <a:lnSpc>
+                <a:spcPct val="115000"/>
+              </a:lnSpc>
+              <a:spcBef>
+                <a:spcPts val="1600"/>
+              </a:spcBef>
+              <a:spcAft>
+                <a:spcPts val="0"/>
+              </a:spcAft>
+              <a:buClr>
+                <a:schemeClr val="lt1"/>
+              </a:buClr>
+              <a:buSzPts val="1400"/>
+              <a:buFont typeface="Maven Pro"/>
+              <a:buChar char="○"/>
+              <a:defRPr sz="1400" b="0" i="0" u="none" strike="noStrike" cap="none">
+                <a:solidFill>
+                  <a:schemeClr val="lt1"/>
+                </a:solidFill>
+                <a:latin typeface="Maven Pro"/>
+                <a:ea typeface="Maven Pro"/>
+                <a:cs typeface="Maven Pro"/>
+                <a:sym typeface="Maven Pro"/>
+              </a:defRPr>
+            </a:lvl8pPr>
+            <a:lvl9pPr marL="4114800" marR="0" lvl="8" indent="-317500" algn="l" rtl="0">
+              <a:lnSpc>
+                <a:spcPct val="115000"/>
+              </a:lnSpc>
+              <a:spcBef>
+                <a:spcPts val="1600"/>
+              </a:spcBef>
+              <a:spcAft>
+                <a:spcPts val="1600"/>
+              </a:spcAft>
+              <a:buClr>
+                <a:schemeClr val="lt1"/>
+              </a:buClr>
+              <a:buSzPts val="1400"/>
+              <a:buFont typeface="Maven Pro"/>
+              <a:buChar char="■"/>
+              <a:defRPr sz="1400" b="0" i="0" u="none" strike="noStrike" cap="none">
+                <a:solidFill>
+                  <a:schemeClr val="lt1"/>
+                </a:solidFill>
+                <a:latin typeface="Maven Pro"/>
+                <a:ea typeface="Maven Pro"/>
+                <a:cs typeface="Maven Pro"/>
+                <a:sym typeface="Maven Pro"/>
+              </a:defRPr>
+            </a:lvl9pPr>
+          </a:lstStyle>
+          <a:p>
+            <a:pPr marL="114300" indent="0">
+              <a:buNone/>
+            </a:pPr>
+            <a:r>
+              <a:rPr lang="fr-FR" sz="1100" dirty="0" smtClean="0">
+                <a:solidFill>
+                  <a:schemeClr val="bg1"/>
+                </a:solidFill>
+              </a:rPr>
+              <a:t>Résultats obtenus :</a:t>
+            </a:r>
+            <a:endParaRPr lang="fr-FR" sz="1100" dirty="0">
               <a:solidFill>
-                <a:schemeClr val="accent2"/>
+                <a:schemeClr val="bg1"/>
               </a:solidFill>
             </a:endParaRPr>
+          </a:p>
+          <a:p>
+            <a:pPr marL="114300" indent="0">
+              <a:buNone/>
+            </a:pPr>
+            <a:endParaRPr lang="fr-FR" sz="1100" dirty="0" smtClean="0">
+              <a:solidFill>
+                <a:schemeClr val="bg1"/>
+              </a:solidFill>
+            </a:endParaRPr>
+          </a:p>
+        </p:txBody>
+      </p:sp>
+      <p:sp>
+        <p:nvSpPr>
+          <p:cNvPr id="3" name="ZoneTexte 2"/>
+          <p:cNvSpPr txBox="1"/>
+          <p:nvPr/>
+        </p:nvSpPr>
+        <p:spPr>
+          <a:xfrm>
+            <a:off x="2860079" y="3798995"/>
+            <a:ext cx="4118238" cy="938719"/>
+          </a:xfrm>
+          <a:prstGeom prst="rect">
+            <a:avLst/>
+          </a:prstGeom>
+          <a:noFill/>
+        </p:spPr>
+        <p:txBody>
+          <a:bodyPr wrap="square" rtlCol="0">
+            <a:spAutoFit/>
+          </a:bodyPr>
+          <a:lstStyle/>
+          <a:p>
+            <a:r>
+              <a:rPr lang="fr-FR" sz="1100" dirty="0">
+                <a:solidFill>
+                  <a:schemeClr val="bg1"/>
+                </a:solidFill>
+                <a:latin typeface="Maven Pro" panose="020B0604020202020204" charset="0"/>
+              </a:rPr>
+              <a:t>Le modèle avec la vectorisation </a:t>
+            </a:r>
+            <a:r>
+              <a:rPr lang="fr-FR" sz="1100" dirty="0">
+                <a:solidFill>
+                  <a:schemeClr val="accent3">
+                    <a:lumMod val="75000"/>
+                  </a:schemeClr>
+                </a:solidFill>
+                <a:latin typeface="Maven Pro" panose="020B0604020202020204" charset="0"/>
+              </a:rPr>
+              <a:t>N-Gram </a:t>
+            </a:r>
+            <a:r>
+              <a:rPr lang="fr-FR" sz="1100" dirty="0" err="1">
+                <a:solidFill>
+                  <a:schemeClr val="accent3">
+                    <a:lumMod val="75000"/>
+                  </a:schemeClr>
+                </a:solidFill>
+                <a:latin typeface="Maven Pro" panose="020B0604020202020204" charset="0"/>
+              </a:rPr>
+              <a:t>Features</a:t>
+            </a:r>
+            <a:r>
+              <a:rPr lang="fr-FR" sz="1100" dirty="0">
+                <a:solidFill>
+                  <a:schemeClr val="accent3">
+                    <a:lumMod val="75000"/>
+                  </a:schemeClr>
+                </a:solidFill>
+                <a:latin typeface="Maven Pro" panose="020B0604020202020204" charset="0"/>
+              </a:rPr>
+              <a:t> </a:t>
+            </a:r>
+            <a:r>
+              <a:rPr lang="fr-FR" sz="1100" dirty="0">
+                <a:solidFill>
+                  <a:schemeClr val="bg1"/>
+                </a:solidFill>
+                <a:latin typeface="Maven Pro" panose="020B0604020202020204" charset="0"/>
+              </a:rPr>
+              <a:t>est le plus performant, voici les métriques :</a:t>
+            </a:r>
+          </a:p>
+          <a:p>
+            <a:endParaRPr lang="fr-FR" sz="1100" dirty="0">
+              <a:solidFill>
+                <a:schemeClr val="bg1"/>
+              </a:solidFill>
+              <a:latin typeface="Maven Pro" panose="020B0604020202020204" charset="0"/>
+            </a:endParaRPr>
+          </a:p>
+          <a:p>
+            <a:r>
+              <a:rPr lang="fr-FR" sz="1100" b="1" dirty="0" err="1">
+                <a:solidFill>
+                  <a:schemeClr val="bg1"/>
+                </a:solidFill>
+                <a:latin typeface="Maven Pro" panose="020B0604020202020204" charset="0"/>
+              </a:rPr>
+              <a:t>Accuracy</a:t>
+            </a:r>
+            <a:r>
+              <a:rPr lang="fr-FR" sz="1100" dirty="0">
+                <a:solidFill>
+                  <a:schemeClr val="bg1"/>
+                </a:solidFill>
+                <a:latin typeface="Maven Pro" panose="020B0604020202020204" charset="0"/>
+              </a:rPr>
+              <a:t> : 0.725</a:t>
+            </a:r>
+          </a:p>
+          <a:p>
+            <a:r>
+              <a:rPr lang="fr-FR" sz="1100" b="1" dirty="0">
+                <a:solidFill>
+                  <a:schemeClr val="bg1"/>
+                </a:solidFill>
+                <a:latin typeface="Maven Pro" panose="020B0604020202020204" charset="0"/>
+              </a:rPr>
+              <a:t>ROC AUC </a:t>
+            </a:r>
+            <a:r>
+              <a:rPr lang="fr-FR" sz="1100" dirty="0">
+                <a:solidFill>
+                  <a:schemeClr val="bg1"/>
+                </a:solidFill>
+                <a:latin typeface="Maven Pro" panose="020B0604020202020204" charset="0"/>
+              </a:rPr>
+              <a:t>: 0.81</a:t>
+            </a:r>
+          </a:p>
+        </p:txBody>
+      </p:sp>
+      <p:pic>
+        <p:nvPicPr>
+          <p:cNvPr id="4" name="Image 3"/>
+          <p:cNvPicPr>
+            <a:picLocks noChangeAspect="1"/>
+          </p:cNvPicPr>
+          <p:nvPr/>
+        </p:nvPicPr>
+        <p:blipFill>
+          <a:blip r:embed="rId2">
+            <a:extLst>
+              <a:ext uri="{28A0092B-C50C-407E-A947-70E740481C1C}">
+                <a14:useLocalDpi xmlns:a14="http://schemas.microsoft.com/office/drawing/2010/main" val="0"/>
+              </a:ext>
+            </a:extLst>
+          </a:blip>
+          <a:stretch>
+            <a:fillRect/>
+          </a:stretch>
+        </p:blipFill>
+        <p:spPr>
+          <a:xfrm>
+            <a:off x="406176" y="1291001"/>
+            <a:ext cx="3682588" cy="2426840"/>
+          </a:xfrm>
+          <a:prstGeom prst="rect">
+            <a:avLst/>
+          </a:prstGeom>
+        </p:spPr>
+      </p:pic>
+      <p:pic>
+        <p:nvPicPr>
+          <p:cNvPr id="5" name="Image 4"/>
+          <p:cNvPicPr>
+            <a:picLocks noChangeAspect="1"/>
+          </p:cNvPicPr>
+          <p:nvPr/>
+        </p:nvPicPr>
+        <p:blipFill>
+          <a:blip r:embed="rId3">
+            <a:extLst>
+              <a:ext uri="{28A0092B-C50C-407E-A947-70E740481C1C}">
+                <a14:useLocalDpi xmlns:a14="http://schemas.microsoft.com/office/drawing/2010/main" val="0"/>
+              </a:ext>
+            </a:extLst>
+          </a:blip>
+          <a:stretch>
+            <a:fillRect/>
+          </a:stretch>
+        </p:blipFill>
+        <p:spPr>
+          <a:xfrm>
+            <a:off x="4232828" y="1291001"/>
+            <a:ext cx="3767245" cy="2431543"/>
+          </a:xfrm>
+          <a:prstGeom prst="rect">
+            <a:avLst/>
+          </a:prstGeom>
+        </p:spPr>
+      </p:pic>
+    </p:spTree>
+    <p:extLst>
+      <p:ext uri="{BB962C8B-B14F-4D97-AF65-F5344CB8AC3E}">
+        <p14:creationId xmlns:p14="http://schemas.microsoft.com/office/powerpoint/2010/main" val="710783384"/>
+      </p:ext>
+    </p:extLst>
+  </p:cSld>
+  <p:clrMapOvr>
+    <a:masterClrMapping/>
+  </p:clrMapOvr>
+  <p:timing>
+    <p:tnLst>
+      <p:par>
+        <p:cTn id="1" dur="indefinite" restart="never" nodeType="tmRoot"/>
+      </p:par>
+    </p:tnLst>
+  </p:timing>
+</p:sld>
+</file>
+
+<file path=ppt/slides/slide11.xml><?xml version="1.0" encoding="utf-8"?>
+<p:sld xmlns:a="http://schemas.openxmlformats.org/drawingml/2006/main" xmlns:r="http://schemas.openxmlformats.org/officeDocument/2006/relationships" xmlns:p="http://schemas.openxmlformats.org/presentationml/2006/main">
+  <p:cSld>
+    <p:spTree>
+      <p:nvGrpSpPr>
+        <p:cNvPr id="1" name=""/>
+        <p:cNvGrpSpPr/>
+        <p:nvPr/>
+      </p:nvGrpSpPr>
+      <p:grpSpPr>
+        <a:xfrm>
+          <a:off x="0" y="0"/>
+          <a:ext cx="0" cy="0"/>
+          <a:chOff x="0" y="0"/>
+          <a:chExt cx="0" cy="0"/>
+        </a:xfrm>
+      </p:grpSpPr>
+      <p:sp>
+        <p:nvSpPr>
+          <p:cNvPr id="7" name="Titre 2"/>
+          <p:cNvSpPr txBox="1">
+            <a:spLocks/>
+          </p:cNvSpPr>
+          <p:nvPr/>
+        </p:nvSpPr>
+        <p:spPr>
+          <a:xfrm>
+            <a:off x="406176" y="425851"/>
+            <a:ext cx="7653305" cy="577800"/>
+          </a:xfrm>
+          <a:prstGeom prst="rect">
+            <a:avLst/>
+          </a:prstGeom>
+          <a:noFill/>
+          <a:ln>
+            <a:noFill/>
+          </a:ln>
+        </p:spPr>
+        <p:txBody>
+          <a:bodyPr spcFirstLastPara="1" wrap="square" lIns="91425" tIns="91425" rIns="91425" bIns="91425" anchor="b" anchorCtr="0">
+            <a:noAutofit/>
+          </a:bodyPr>
+          <a:lstStyle>
+            <a:defPPr marR="0" lvl="0" algn="l" rtl="0">
+              <a:lnSpc>
+                <a:spcPct val="100000"/>
+              </a:lnSpc>
+              <a:spcBef>
+                <a:spcPts val="0"/>
+              </a:spcBef>
+              <a:spcAft>
+                <a:spcPts val="0"/>
+              </a:spcAft>
+            </a:defPPr>
+            <a:lvl1pPr marR="0" lvl="0" algn="l" rtl="0">
+              <a:lnSpc>
+                <a:spcPct val="100000"/>
+              </a:lnSpc>
+              <a:spcBef>
+                <a:spcPts val="0"/>
+              </a:spcBef>
+              <a:spcAft>
+                <a:spcPts val="0"/>
+              </a:spcAft>
+              <a:buClr>
+                <a:srgbClr val="000000"/>
+              </a:buClr>
+              <a:buSzPts val="3600"/>
+              <a:buFont typeface="Share Tech"/>
+              <a:buNone/>
+              <a:defRPr sz="3000" b="0" i="0" u="none" strike="noStrike" cap="none">
+                <a:solidFill>
+                  <a:schemeClr val="lt1"/>
+                </a:solidFill>
+                <a:latin typeface="Share Tech"/>
+                <a:ea typeface="Share Tech"/>
+                <a:cs typeface="Share Tech"/>
+                <a:sym typeface="Share Tech"/>
+              </a:defRPr>
+            </a:lvl1pPr>
+            <a:lvl2pPr marR="0" lvl="1" algn="ctr" rtl="0">
+              <a:lnSpc>
+                <a:spcPct val="100000"/>
+              </a:lnSpc>
+              <a:spcBef>
+                <a:spcPts val="0"/>
+              </a:spcBef>
+              <a:spcAft>
+                <a:spcPts val="0"/>
+              </a:spcAft>
+              <a:buClr>
+                <a:srgbClr val="D9D9D9"/>
+              </a:buClr>
+              <a:buSzPts val="1800"/>
+              <a:buFont typeface="Share Tech"/>
+              <a:buNone/>
+              <a:defRPr sz="1800" b="0" i="0" u="none" strike="noStrike" cap="none">
+                <a:solidFill>
+                  <a:srgbClr val="D9D9D9"/>
+                </a:solidFill>
+                <a:latin typeface="Share Tech"/>
+                <a:ea typeface="Share Tech"/>
+                <a:cs typeface="Share Tech"/>
+                <a:sym typeface="Share Tech"/>
+              </a:defRPr>
+            </a:lvl2pPr>
+            <a:lvl3pPr marR="0" lvl="2" algn="ctr" rtl="0">
+              <a:lnSpc>
+                <a:spcPct val="100000"/>
+              </a:lnSpc>
+              <a:spcBef>
+                <a:spcPts val="0"/>
+              </a:spcBef>
+              <a:spcAft>
+                <a:spcPts val="0"/>
+              </a:spcAft>
+              <a:buClr>
+                <a:srgbClr val="D9D9D9"/>
+              </a:buClr>
+              <a:buSzPts val="1800"/>
+              <a:buFont typeface="Share Tech"/>
+              <a:buNone/>
+              <a:defRPr sz="1800" b="0" i="0" u="none" strike="noStrike" cap="none">
+                <a:solidFill>
+                  <a:srgbClr val="D9D9D9"/>
+                </a:solidFill>
+                <a:latin typeface="Share Tech"/>
+                <a:ea typeface="Share Tech"/>
+                <a:cs typeface="Share Tech"/>
+                <a:sym typeface="Share Tech"/>
+              </a:defRPr>
+            </a:lvl3pPr>
+            <a:lvl4pPr marR="0" lvl="3" algn="ctr" rtl="0">
+              <a:lnSpc>
+                <a:spcPct val="100000"/>
+              </a:lnSpc>
+              <a:spcBef>
+                <a:spcPts val="0"/>
+              </a:spcBef>
+              <a:spcAft>
+                <a:spcPts val="0"/>
+              </a:spcAft>
+              <a:buClr>
+                <a:srgbClr val="D9D9D9"/>
+              </a:buClr>
+              <a:buSzPts val="1800"/>
+              <a:buFont typeface="Share Tech"/>
+              <a:buNone/>
+              <a:defRPr sz="1800" b="0" i="0" u="none" strike="noStrike" cap="none">
+                <a:solidFill>
+                  <a:srgbClr val="D9D9D9"/>
+                </a:solidFill>
+                <a:latin typeface="Share Tech"/>
+                <a:ea typeface="Share Tech"/>
+                <a:cs typeface="Share Tech"/>
+                <a:sym typeface="Share Tech"/>
+              </a:defRPr>
+            </a:lvl4pPr>
+            <a:lvl5pPr marR="0" lvl="4" algn="ctr" rtl="0">
+              <a:lnSpc>
+                <a:spcPct val="100000"/>
+              </a:lnSpc>
+              <a:spcBef>
+                <a:spcPts val="0"/>
+              </a:spcBef>
+              <a:spcAft>
+                <a:spcPts val="0"/>
+              </a:spcAft>
+              <a:buClr>
+                <a:srgbClr val="D9D9D9"/>
+              </a:buClr>
+              <a:buSzPts val="1800"/>
+              <a:buFont typeface="Share Tech"/>
+              <a:buNone/>
+              <a:defRPr sz="1800" b="0" i="0" u="none" strike="noStrike" cap="none">
+                <a:solidFill>
+                  <a:srgbClr val="D9D9D9"/>
+                </a:solidFill>
+                <a:latin typeface="Share Tech"/>
+                <a:ea typeface="Share Tech"/>
+                <a:cs typeface="Share Tech"/>
+                <a:sym typeface="Share Tech"/>
+              </a:defRPr>
+            </a:lvl5pPr>
+            <a:lvl6pPr marR="0" lvl="5" algn="ctr" rtl="0">
+              <a:lnSpc>
+                <a:spcPct val="100000"/>
+              </a:lnSpc>
+              <a:spcBef>
+                <a:spcPts val="0"/>
+              </a:spcBef>
+              <a:spcAft>
+                <a:spcPts val="0"/>
+              </a:spcAft>
+              <a:buClr>
+                <a:srgbClr val="D9D9D9"/>
+              </a:buClr>
+              <a:buSzPts val="1800"/>
+              <a:buFont typeface="Share Tech"/>
+              <a:buNone/>
+              <a:defRPr sz="1800" b="0" i="0" u="none" strike="noStrike" cap="none">
+                <a:solidFill>
+                  <a:srgbClr val="D9D9D9"/>
+                </a:solidFill>
+                <a:latin typeface="Share Tech"/>
+                <a:ea typeface="Share Tech"/>
+                <a:cs typeface="Share Tech"/>
+                <a:sym typeface="Share Tech"/>
+              </a:defRPr>
+            </a:lvl6pPr>
+            <a:lvl7pPr marR="0" lvl="6" algn="ctr" rtl="0">
+              <a:lnSpc>
+                <a:spcPct val="100000"/>
+              </a:lnSpc>
+              <a:spcBef>
+                <a:spcPts val="0"/>
+              </a:spcBef>
+              <a:spcAft>
+                <a:spcPts val="0"/>
+              </a:spcAft>
+              <a:buClr>
+                <a:srgbClr val="D9D9D9"/>
+              </a:buClr>
+              <a:buSzPts val="1800"/>
+              <a:buFont typeface="Share Tech"/>
+              <a:buNone/>
+              <a:defRPr sz="1800" b="0" i="0" u="none" strike="noStrike" cap="none">
+                <a:solidFill>
+                  <a:srgbClr val="D9D9D9"/>
+                </a:solidFill>
+                <a:latin typeface="Share Tech"/>
+                <a:ea typeface="Share Tech"/>
+                <a:cs typeface="Share Tech"/>
+                <a:sym typeface="Share Tech"/>
+              </a:defRPr>
+            </a:lvl7pPr>
+            <a:lvl8pPr marR="0" lvl="7" algn="ctr" rtl="0">
+              <a:lnSpc>
+                <a:spcPct val="100000"/>
+              </a:lnSpc>
+              <a:spcBef>
+                <a:spcPts val="0"/>
+              </a:spcBef>
+              <a:spcAft>
+                <a:spcPts val="0"/>
+              </a:spcAft>
+              <a:buClr>
+                <a:srgbClr val="D9D9D9"/>
+              </a:buClr>
+              <a:buSzPts val="1800"/>
+              <a:buFont typeface="Share Tech"/>
+              <a:buNone/>
+              <a:defRPr sz="1800" b="0" i="0" u="none" strike="noStrike" cap="none">
+                <a:solidFill>
+                  <a:srgbClr val="D9D9D9"/>
+                </a:solidFill>
+                <a:latin typeface="Share Tech"/>
+                <a:ea typeface="Share Tech"/>
+                <a:cs typeface="Share Tech"/>
+                <a:sym typeface="Share Tech"/>
+              </a:defRPr>
+            </a:lvl8pPr>
+            <a:lvl9pPr marR="0" lvl="8" algn="ctr" rtl="0">
+              <a:lnSpc>
+                <a:spcPct val="100000"/>
+              </a:lnSpc>
+              <a:spcBef>
+                <a:spcPts val="0"/>
+              </a:spcBef>
+              <a:spcAft>
+                <a:spcPts val="0"/>
+              </a:spcAft>
+              <a:buClr>
+                <a:srgbClr val="D9D9D9"/>
+              </a:buClr>
+              <a:buSzPts val="1800"/>
+              <a:buFont typeface="Share Tech"/>
+              <a:buNone/>
+              <a:defRPr sz="1800" b="0" i="0" u="none" strike="noStrike" cap="none">
+                <a:solidFill>
+                  <a:srgbClr val="D9D9D9"/>
+                </a:solidFill>
+                <a:latin typeface="Share Tech"/>
+                <a:ea typeface="Share Tech"/>
+                <a:cs typeface="Share Tech"/>
+                <a:sym typeface="Share Tech"/>
+              </a:defRPr>
+            </a:lvl9pPr>
+          </a:lstStyle>
+          <a:p>
+            <a:r>
+              <a:rPr lang="fr-FR" dirty="0">
+                <a:solidFill>
+                  <a:schemeClr val="accent2"/>
+                </a:solidFill>
+              </a:rPr>
+              <a:t>Approche modèle sur mesure simple</a:t>
+            </a:r>
           </a:p>
         </p:txBody>
       </p:sp>
@@ -13379,891 +14182,6 @@
 </p:sld>
 </file>
 
-<file path=ppt/slides/slide11.xml><?xml version="1.0" encoding="utf-8"?>
-<p:sld xmlns:a="http://schemas.openxmlformats.org/drawingml/2006/main" xmlns:r="http://schemas.openxmlformats.org/officeDocument/2006/relationships" xmlns:p="http://schemas.openxmlformats.org/presentationml/2006/main">
-  <p:cSld>
-    <p:spTree>
-      <p:nvGrpSpPr>
-        <p:cNvPr id="1" name=""/>
-        <p:cNvGrpSpPr/>
-        <p:nvPr/>
-      </p:nvGrpSpPr>
-      <p:grpSpPr>
-        <a:xfrm>
-          <a:off x="0" y="0"/>
-          <a:ext cx="0" cy="0"/>
-          <a:chOff x="0" y="0"/>
-          <a:chExt cx="0" cy="0"/>
-        </a:xfrm>
-      </p:grpSpPr>
-      <p:sp>
-        <p:nvSpPr>
-          <p:cNvPr id="7" name="Titre 2"/>
-          <p:cNvSpPr txBox="1">
-            <a:spLocks/>
-          </p:cNvSpPr>
-          <p:nvPr/>
-        </p:nvSpPr>
-        <p:spPr>
-          <a:xfrm>
-            <a:off x="406176" y="425851"/>
-            <a:ext cx="7653305" cy="577800"/>
-          </a:xfrm>
-          <a:prstGeom prst="rect">
-            <a:avLst/>
-          </a:prstGeom>
-          <a:noFill/>
-          <a:ln>
-            <a:noFill/>
-          </a:ln>
-        </p:spPr>
-        <p:txBody>
-          <a:bodyPr spcFirstLastPara="1" wrap="square" lIns="91425" tIns="91425" rIns="91425" bIns="91425" anchor="b" anchorCtr="0">
-            <a:noAutofit/>
-          </a:bodyPr>
-          <a:lstStyle>
-            <a:defPPr marR="0" lvl="0" algn="l" rtl="0">
-              <a:lnSpc>
-                <a:spcPct val="100000"/>
-              </a:lnSpc>
-              <a:spcBef>
-                <a:spcPts val="0"/>
-              </a:spcBef>
-              <a:spcAft>
-                <a:spcPts val="0"/>
-              </a:spcAft>
-            </a:defPPr>
-            <a:lvl1pPr marR="0" lvl="0" algn="l" rtl="0">
-              <a:lnSpc>
-                <a:spcPct val="100000"/>
-              </a:lnSpc>
-              <a:spcBef>
-                <a:spcPts val="0"/>
-              </a:spcBef>
-              <a:spcAft>
-                <a:spcPts val="0"/>
-              </a:spcAft>
-              <a:buClr>
-                <a:srgbClr val="000000"/>
-              </a:buClr>
-              <a:buSzPts val="3600"/>
-              <a:buFont typeface="Share Tech"/>
-              <a:buNone/>
-              <a:defRPr sz="3000" b="0" i="0" u="none" strike="noStrike" cap="none">
-                <a:solidFill>
-                  <a:schemeClr val="lt1"/>
-                </a:solidFill>
-                <a:latin typeface="Share Tech"/>
-                <a:ea typeface="Share Tech"/>
-                <a:cs typeface="Share Tech"/>
-                <a:sym typeface="Share Tech"/>
-              </a:defRPr>
-            </a:lvl1pPr>
-            <a:lvl2pPr marR="0" lvl="1" algn="ctr" rtl="0">
-              <a:lnSpc>
-                <a:spcPct val="100000"/>
-              </a:lnSpc>
-              <a:spcBef>
-                <a:spcPts val="0"/>
-              </a:spcBef>
-              <a:spcAft>
-                <a:spcPts val="0"/>
-              </a:spcAft>
-              <a:buClr>
-                <a:srgbClr val="D9D9D9"/>
-              </a:buClr>
-              <a:buSzPts val="1800"/>
-              <a:buFont typeface="Share Tech"/>
-              <a:buNone/>
-              <a:defRPr sz="1800" b="0" i="0" u="none" strike="noStrike" cap="none">
-                <a:solidFill>
-                  <a:srgbClr val="D9D9D9"/>
-                </a:solidFill>
-                <a:latin typeface="Share Tech"/>
-                <a:ea typeface="Share Tech"/>
-                <a:cs typeface="Share Tech"/>
-                <a:sym typeface="Share Tech"/>
-              </a:defRPr>
-            </a:lvl2pPr>
-            <a:lvl3pPr marR="0" lvl="2" algn="ctr" rtl="0">
-              <a:lnSpc>
-                <a:spcPct val="100000"/>
-              </a:lnSpc>
-              <a:spcBef>
-                <a:spcPts val="0"/>
-              </a:spcBef>
-              <a:spcAft>
-                <a:spcPts val="0"/>
-              </a:spcAft>
-              <a:buClr>
-                <a:srgbClr val="D9D9D9"/>
-              </a:buClr>
-              <a:buSzPts val="1800"/>
-              <a:buFont typeface="Share Tech"/>
-              <a:buNone/>
-              <a:defRPr sz="1800" b="0" i="0" u="none" strike="noStrike" cap="none">
-                <a:solidFill>
-                  <a:srgbClr val="D9D9D9"/>
-                </a:solidFill>
-                <a:latin typeface="Share Tech"/>
-                <a:ea typeface="Share Tech"/>
-                <a:cs typeface="Share Tech"/>
-                <a:sym typeface="Share Tech"/>
-              </a:defRPr>
-            </a:lvl3pPr>
-            <a:lvl4pPr marR="0" lvl="3" algn="ctr" rtl="0">
-              <a:lnSpc>
-                <a:spcPct val="100000"/>
-              </a:lnSpc>
-              <a:spcBef>
-                <a:spcPts val="0"/>
-              </a:spcBef>
-              <a:spcAft>
-                <a:spcPts val="0"/>
-              </a:spcAft>
-              <a:buClr>
-                <a:srgbClr val="D9D9D9"/>
-              </a:buClr>
-              <a:buSzPts val="1800"/>
-              <a:buFont typeface="Share Tech"/>
-              <a:buNone/>
-              <a:defRPr sz="1800" b="0" i="0" u="none" strike="noStrike" cap="none">
-                <a:solidFill>
-                  <a:srgbClr val="D9D9D9"/>
-                </a:solidFill>
-                <a:latin typeface="Share Tech"/>
-                <a:ea typeface="Share Tech"/>
-                <a:cs typeface="Share Tech"/>
-                <a:sym typeface="Share Tech"/>
-              </a:defRPr>
-            </a:lvl4pPr>
-            <a:lvl5pPr marR="0" lvl="4" algn="ctr" rtl="0">
-              <a:lnSpc>
-                <a:spcPct val="100000"/>
-              </a:lnSpc>
-              <a:spcBef>
-                <a:spcPts val="0"/>
-              </a:spcBef>
-              <a:spcAft>
-                <a:spcPts val="0"/>
-              </a:spcAft>
-              <a:buClr>
-                <a:srgbClr val="D9D9D9"/>
-              </a:buClr>
-              <a:buSzPts val="1800"/>
-              <a:buFont typeface="Share Tech"/>
-              <a:buNone/>
-              <a:defRPr sz="1800" b="0" i="0" u="none" strike="noStrike" cap="none">
-                <a:solidFill>
-                  <a:srgbClr val="D9D9D9"/>
-                </a:solidFill>
-                <a:latin typeface="Share Tech"/>
-                <a:ea typeface="Share Tech"/>
-                <a:cs typeface="Share Tech"/>
-                <a:sym typeface="Share Tech"/>
-              </a:defRPr>
-            </a:lvl5pPr>
-            <a:lvl6pPr marR="0" lvl="5" algn="ctr" rtl="0">
-              <a:lnSpc>
-                <a:spcPct val="100000"/>
-              </a:lnSpc>
-              <a:spcBef>
-                <a:spcPts val="0"/>
-              </a:spcBef>
-              <a:spcAft>
-                <a:spcPts val="0"/>
-              </a:spcAft>
-              <a:buClr>
-                <a:srgbClr val="D9D9D9"/>
-              </a:buClr>
-              <a:buSzPts val="1800"/>
-              <a:buFont typeface="Share Tech"/>
-              <a:buNone/>
-              <a:defRPr sz="1800" b="0" i="0" u="none" strike="noStrike" cap="none">
-                <a:solidFill>
-                  <a:srgbClr val="D9D9D9"/>
-                </a:solidFill>
-                <a:latin typeface="Share Tech"/>
-                <a:ea typeface="Share Tech"/>
-                <a:cs typeface="Share Tech"/>
-                <a:sym typeface="Share Tech"/>
-              </a:defRPr>
-            </a:lvl6pPr>
-            <a:lvl7pPr marR="0" lvl="6" algn="ctr" rtl="0">
-              <a:lnSpc>
-                <a:spcPct val="100000"/>
-              </a:lnSpc>
-              <a:spcBef>
-                <a:spcPts val="0"/>
-              </a:spcBef>
-              <a:spcAft>
-                <a:spcPts val="0"/>
-              </a:spcAft>
-              <a:buClr>
-                <a:srgbClr val="D9D9D9"/>
-              </a:buClr>
-              <a:buSzPts val="1800"/>
-              <a:buFont typeface="Share Tech"/>
-              <a:buNone/>
-              <a:defRPr sz="1800" b="0" i="0" u="none" strike="noStrike" cap="none">
-                <a:solidFill>
-                  <a:srgbClr val="D9D9D9"/>
-                </a:solidFill>
-                <a:latin typeface="Share Tech"/>
-                <a:ea typeface="Share Tech"/>
-                <a:cs typeface="Share Tech"/>
-                <a:sym typeface="Share Tech"/>
-              </a:defRPr>
-            </a:lvl7pPr>
-            <a:lvl8pPr marR="0" lvl="7" algn="ctr" rtl="0">
-              <a:lnSpc>
-                <a:spcPct val="100000"/>
-              </a:lnSpc>
-              <a:spcBef>
-                <a:spcPts val="0"/>
-              </a:spcBef>
-              <a:spcAft>
-                <a:spcPts val="0"/>
-              </a:spcAft>
-              <a:buClr>
-                <a:srgbClr val="D9D9D9"/>
-              </a:buClr>
-              <a:buSzPts val="1800"/>
-              <a:buFont typeface="Share Tech"/>
-              <a:buNone/>
-              <a:defRPr sz="1800" b="0" i="0" u="none" strike="noStrike" cap="none">
-                <a:solidFill>
-                  <a:srgbClr val="D9D9D9"/>
-                </a:solidFill>
-                <a:latin typeface="Share Tech"/>
-                <a:ea typeface="Share Tech"/>
-                <a:cs typeface="Share Tech"/>
-                <a:sym typeface="Share Tech"/>
-              </a:defRPr>
-            </a:lvl8pPr>
-            <a:lvl9pPr marR="0" lvl="8" algn="ctr" rtl="0">
-              <a:lnSpc>
-                <a:spcPct val="100000"/>
-              </a:lnSpc>
-              <a:spcBef>
-                <a:spcPts val="0"/>
-              </a:spcBef>
-              <a:spcAft>
-                <a:spcPts val="0"/>
-              </a:spcAft>
-              <a:buClr>
-                <a:srgbClr val="D9D9D9"/>
-              </a:buClr>
-              <a:buSzPts val="1800"/>
-              <a:buFont typeface="Share Tech"/>
-              <a:buNone/>
-              <a:defRPr sz="1800" b="0" i="0" u="none" strike="noStrike" cap="none">
-                <a:solidFill>
-                  <a:srgbClr val="D9D9D9"/>
-                </a:solidFill>
-                <a:latin typeface="Share Tech"/>
-                <a:ea typeface="Share Tech"/>
-                <a:cs typeface="Share Tech"/>
-                <a:sym typeface="Share Tech"/>
-              </a:defRPr>
-            </a:lvl9pPr>
-          </a:lstStyle>
-          <a:p>
-            <a:r>
-              <a:rPr lang="fr-FR" dirty="0" smtClean="0">
-                <a:solidFill>
-                  <a:schemeClr val="accent2"/>
-                </a:solidFill>
-              </a:rPr>
-              <a:t>Approche </a:t>
-            </a:r>
-            <a:r>
-              <a:rPr lang="fr-FR" dirty="0" smtClean="0">
-                <a:solidFill>
-                  <a:schemeClr val="accent2"/>
-                </a:solidFill>
-              </a:rPr>
-              <a:t>modèle sur mesure avancé</a:t>
-            </a:r>
-            <a:endParaRPr lang="fr-FR" dirty="0">
-              <a:solidFill>
-                <a:schemeClr val="accent2"/>
-              </a:solidFill>
-            </a:endParaRPr>
-          </a:p>
-        </p:txBody>
-      </p:sp>
-      <p:sp>
-        <p:nvSpPr>
-          <p:cNvPr id="6" name="Espace réservé du texte 1"/>
-          <p:cNvSpPr txBox="1">
-            <a:spLocks/>
-          </p:cNvSpPr>
-          <p:nvPr/>
-        </p:nvSpPr>
-        <p:spPr>
-          <a:xfrm>
-            <a:off x="495371" y="1004962"/>
-            <a:ext cx="6708993" cy="3553287"/>
-          </a:xfrm>
-          <a:prstGeom prst="rect">
-            <a:avLst/>
-          </a:prstGeom>
-          <a:noFill/>
-          <a:ln>
-            <a:noFill/>
-          </a:ln>
-        </p:spPr>
-        <p:txBody>
-          <a:bodyPr spcFirstLastPara="1" wrap="square" lIns="91425" tIns="91425" rIns="91425" bIns="91425" anchor="t" anchorCtr="0">
-            <a:noAutofit/>
-          </a:bodyPr>
-          <a:lstStyle>
-            <a:defPPr marR="0" lvl="0" algn="l" rtl="0">
-              <a:lnSpc>
-                <a:spcPct val="100000"/>
-              </a:lnSpc>
-              <a:spcBef>
-                <a:spcPts val="0"/>
-              </a:spcBef>
-              <a:spcAft>
-                <a:spcPts val="0"/>
-              </a:spcAft>
-            </a:defPPr>
-            <a:lvl1pPr marL="457200" marR="0" lvl="0" indent="-342900" algn="l" rtl="0">
-              <a:lnSpc>
-                <a:spcPct val="100000"/>
-              </a:lnSpc>
-              <a:spcBef>
-                <a:spcPts val="0"/>
-              </a:spcBef>
-              <a:spcAft>
-                <a:spcPts val="0"/>
-              </a:spcAft>
-              <a:buClr>
-                <a:schemeClr val="lt1"/>
-              </a:buClr>
-              <a:buSzPts val="1800"/>
-              <a:buFont typeface="Maven Pro"/>
-              <a:buChar char="●"/>
-              <a:defRPr sz="1800" b="0" i="0" u="none" strike="noStrike" cap="none">
-                <a:solidFill>
-                  <a:schemeClr val="lt1"/>
-                </a:solidFill>
-                <a:latin typeface="Maven Pro"/>
-                <a:ea typeface="Maven Pro"/>
-                <a:cs typeface="Maven Pro"/>
-                <a:sym typeface="Maven Pro"/>
-              </a:defRPr>
-            </a:lvl1pPr>
-            <a:lvl2pPr marL="914400" marR="0" lvl="1" indent="-317500" algn="l" rtl="0">
-              <a:lnSpc>
-                <a:spcPct val="115000"/>
-              </a:lnSpc>
-              <a:spcBef>
-                <a:spcPts val="0"/>
-              </a:spcBef>
-              <a:spcAft>
-                <a:spcPts val="0"/>
-              </a:spcAft>
-              <a:buClr>
-                <a:schemeClr val="lt1"/>
-              </a:buClr>
-              <a:buSzPts val="1400"/>
-              <a:buFont typeface="Maven Pro"/>
-              <a:buChar char="○"/>
-              <a:defRPr sz="1400" b="0" i="0" u="none" strike="noStrike" cap="none">
-                <a:solidFill>
-                  <a:schemeClr val="lt1"/>
-                </a:solidFill>
-                <a:latin typeface="Maven Pro"/>
-                <a:ea typeface="Maven Pro"/>
-                <a:cs typeface="Maven Pro"/>
-                <a:sym typeface="Maven Pro"/>
-              </a:defRPr>
-            </a:lvl2pPr>
-            <a:lvl3pPr marL="1371600" marR="0" lvl="2" indent="-317500" algn="l" rtl="0">
-              <a:lnSpc>
-                <a:spcPct val="115000"/>
-              </a:lnSpc>
-              <a:spcBef>
-                <a:spcPts val="1600"/>
-              </a:spcBef>
-              <a:spcAft>
-                <a:spcPts val="0"/>
-              </a:spcAft>
-              <a:buClr>
-                <a:schemeClr val="lt1"/>
-              </a:buClr>
-              <a:buSzPts val="1400"/>
-              <a:buFont typeface="Maven Pro"/>
-              <a:buChar char="■"/>
-              <a:defRPr sz="1400" b="0" i="0" u="none" strike="noStrike" cap="none">
-                <a:solidFill>
-                  <a:schemeClr val="lt1"/>
-                </a:solidFill>
-                <a:latin typeface="Maven Pro"/>
-                <a:ea typeface="Maven Pro"/>
-                <a:cs typeface="Maven Pro"/>
-                <a:sym typeface="Maven Pro"/>
-              </a:defRPr>
-            </a:lvl3pPr>
-            <a:lvl4pPr marL="1828800" marR="0" lvl="3" indent="-317500" algn="l" rtl="0">
-              <a:lnSpc>
-                <a:spcPct val="115000"/>
-              </a:lnSpc>
-              <a:spcBef>
-                <a:spcPts val="1600"/>
-              </a:spcBef>
-              <a:spcAft>
-                <a:spcPts val="0"/>
-              </a:spcAft>
-              <a:buClr>
-                <a:schemeClr val="lt1"/>
-              </a:buClr>
-              <a:buSzPts val="1400"/>
-              <a:buFont typeface="Maven Pro"/>
-              <a:buChar char="●"/>
-              <a:defRPr sz="1400" b="0" i="0" u="none" strike="noStrike" cap="none">
-                <a:solidFill>
-                  <a:schemeClr val="lt1"/>
-                </a:solidFill>
-                <a:latin typeface="Maven Pro"/>
-                <a:ea typeface="Maven Pro"/>
-                <a:cs typeface="Maven Pro"/>
-                <a:sym typeface="Maven Pro"/>
-              </a:defRPr>
-            </a:lvl4pPr>
-            <a:lvl5pPr marL="2286000" marR="0" lvl="4" indent="-317500" algn="l" rtl="0">
-              <a:lnSpc>
-                <a:spcPct val="115000"/>
-              </a:lnSpc>
-              <a:spcBef>
-                <a:spcPts val="1600"/>
-              </a:spcBef>
-              <a:spcAft>
-                <a:spcPts val="0"/>
-              </a:spcAft>
-              <a:buClr>
-                <a:schemeClr val="lt1"/>
-              </a:buClr>
-              <a:buSzPts val="1400"/>
-              <a:buFont typeface="Maven Pro"/>
-              <a:buChar char="○"/>
-              <a:defRPr sz="1400" b="0" i="0" u="none" strike="noStrike" cap="none">
-                <a:solidFill>
-                  <a:schemeClr val="lt1"/>
-                </a:solidFill>
-                <a:latin typeface="Maven Pro"/>
-                <a:ea typeface="Maven Pro"/>
-                <a:cs typeface="Maven Pro"/>
-                <a:sym typeface="Maven Pro"/>
-              </a:defRPr>
-            </a:lvl5pPr>
-            <a:lvl6pPr marL="2743200" marR="0" lvl="5" indent="-317500" algn="l" rtl="0">
-              <a:lnSpc>
-                <a:spcPct val="115000"/>
-              </a:lnSpc>
-              <a:spcBef>
-                <a:spcPts val="1600"/>
-              </a:spcBef>
-              <a:spcAft>
-                <a:spcPts val="0"/>
-              </a:spcAft>
-              <a:buClr>
-                <a:schemeClr val="lt1"/>
-              </a:buClr>
-              <a:buSzPts val="1400"/>
-              <a:buFont typeface="Maven Pro"/>
-              <a:buChar char="■"/>
-              <a:defRPr sz="1400" b="0" i="0" u="none" strike="noStrike" cap="none">
-                <a:solidFill>
-                  <a:schemeClr val="lt1"/>
-                </a:solidFill>
-                <a:latin typeface="Maven Pro"/>
-                <a:ea typeface="Maven Pro"/>
-                <a:cs typeface="Maven Pro"/>
-                <a:sym typeface="Maven Pro"/>
-              </a:defRPr>
-            </a:lvl6pPr>
-            <a:lvl7pPr marL="3200400" marR="0" lvl="6" indent="-317500" algn="l" rtl="0">
-              <a:lnSpc>
-                <a:spcPct val="115000"/>
-              </a:lnSpc>
-              <a:spcBef>
-                <a:spcPts val="1600"/>
-              </a:spcBef>
-              <a:spcAft>
-                <a:spcPts val="0"/>
-              </a:spcAft>
-              <a:buClr>
-                <a:schemeClr val="lt1"/>
-              </a:buClr>
-              <a:buSzPts val="1400"/>
-              <a:buFont typeface="Maven Pro"/>
-              <a:buChar char="●"/>
-              <a:defRPr sz="1400" b="0" i="0" u="none" strike="noStrike" cap="none">
-                <a:solidFill>
-                  <a:schemeClr val="lt1"/>
-                </a:solidFill>
-                <a:latin typeface="Maven Pro"/>
-                <a:ea typeface="Maven Pro"/>
-                <a:cs typeface="Maven Pro"/>
-                <a:sym typeface="Maven Pro"/>
-              </a:defRPr>
-            </a:lvl7pPr>
-            <a:lvl8pPr marL="3657600" marR="0" lvl="7" indent="-317500" algn="l" rtl="0">
-              <a:lnSpc>
-                <a:spcPct val="115000"/>
-              </a:lnSpc>
-              <a:spcBef>
-                <a:spcPts val="1600"/>
-              </a:spcBef>
-              <a:spcAft>
-                <a:spcPts val="0"/>
-              </a:spcAft>
-              <a:buClr>
-                <a:schemeClr val="lt1"/>
-              </a:buClr>
-              <a:buSzPts val="1400"/>
-              <a:buFont typeface="Maven Pro"/>
-              <a:buChar char="○"/>
-              <a:defRPr sz="1400" b="0" i="0" u="none" strike="noStrike" cap="none">
-                <a:solidFill>
-                  <a:schemeClr val="lt1"/>
-                </a:solidFill>
-                <a:latin typeface="Maven Pro"/>
-                <a:ea typeface="Maven Pro"/>
-                <a:cs typeface="Maven Pro"/>
-                <a:sym typeface="Maven Pro"/>
-              </a:defRPr>
-            </a:lvl8pPr>
-            <a:lvl9pPr marL="4114800" marR="0" lvl="8" indent="-317500" algn="l" rtl="0">
-              <a:lnSpc>
-                <a:spcPct val="115000"/>
-              </a:lnSpc>
-              <a:spcBef>
-                <a:spcPts val="1600"/>
-              </a:spcBef>
-              <a:spcAft>
-                <a:spcPts val="1600"/>
-              </a:spcAft>
-              <a:buClr>
-                <a:schemeClr val="lt1"/>
-              </a:buClr>
-              <a:buSzPts val="1400"/>
-              <a:buFont typeface="Maven Pro"/>
-              <a:buChar char="■"/>
-              <a:defRPr sz="1400" b="0" i="0" u="none" strike="noStrike" cap="none">
-                <a:solidFill>
-                  <a:schemeClr val="lt1"/>
-                </a:solidFill>
-                <a:latin typeface="Maven Pro"/>
-                <a:ea typeface="Maven Pro"/>
-                <a:cs typeface="Maven Pro"/>
-                <a:sym typeface="Maven Pro"/>
-              </a:defRPr>
-            </a:lvl9pPr>
-          </a:lstStyle>
-          <a:p>
-            <a:pPr marL="114300" indent="0">
-              <a:buNone/>
-            </a:pPr>
-            <a:r>
-              <a:rPr lang="fr-FR" sz="1200" dirty="0"/>
-              <a:t>On va utiliser le </a:t>
-            </a:r>
-            <a:r>
-              <a:rPr lang="fr-FR" sz="1200" dirty="0">
-                <a:solidFill>
-                  <a:schemeClr val="accent3">
-                    <a:lumMod val="75000"/>
-                  </a:schemeClr>
-                </a:solidFill>
-              </a:rPr>
-              <a:t>service notebooks </a:t>
-            </a:r>
-            <a:r>
-              <a:rPr lang="fr-FR" sz="1200" dirty="0"/>
-              <a:t>d’Azure Machine Learning pour développer un modèle basé sur des réseaux de neurones profonds pour prédire le sentiment associé à un tweet.</a:t>
-            </a:r>
-            <a:endParaRPr lang="fr-FR" sz="1100" dirty="0" smtClean="0">
-              <a:solidFill>
-                <a:schemeClr val="accent3">
-                  <a:lumMod val="75000"/>
-                </a:schemeClr>
-              </a:solidFill>
-            </a:endParaRPr>
-          </a:p>
-          <a:p>
-            <a:pPr marL="114300" indent="0">
-              <a:buNone/>
-            </a:pPr>
-            <a:endParaRPr lang="fr-FR" sz="1100" dirty="0" smtClean="0">
-              <a:solidFill>
-                <a:schemeClr val="accent3">
-                  <a:lumMod val="75000"/>
-                </a:schemeClr>
-              </a:solidFill>
-            </a:endParaRPr>
-          </a:p>
-          <a:p>
-            <a:r>
-              <a:rPr lang="fr-FR" sz="1050" dirty="0"/>
-              <a:t>On va d’abord entraîner </a:t>
-            </a:r>
-            <a:r>
-              <a:rPr lang="fr-FR" sz="1050" dirty="0">
-                <a:solidFill>
-                  <a:schemeClr val="accent3">
-                    <a:lumMod val="75000"/>
-                  </a:schemeClr>
-                </a:solidFill>
-              </a:rPr>
-              <a:t>plusieurs modèles </a:t>
-            </a:r>
-            <a:r>
-              <a:rPr lang="fr-FR" sz="1050" dirty="0"/>
-              <a:t>en local sur un </a:t>
-            </a:r>
-            <a:r>
-              <a:rPr lang="fr-FR" sz="1050" dirty="0">
-                <a:solidFill>
-                  <a:schemeClr val="accent3">
-                    <a:lumMod val="75000"/>
-                  </a:schemeClr>
-                </a:solidFill>
-              </a:rPr>
-              <a:t>échantillon de 40 000 tweets </a:t>
-            </a:r>
-            <a:r>
-              <a:rPr lang="fr-FR" sz="1050" dirty="0"/>
-              <a:t>afin de limiter les temps de calcul.</a:t>
-            </a:r>
-          </a:p>
-          <a:p>
-            <a:endParaRPr lang="fr-FR" sz="1050" dirty="0"/>
-          </a:p>
-          <a:p>
-            <a:r>
-              <a:rPr lang="fr-FR" sz="1050" dirty="0"/>
-              <a:t>On commence par tester plusieurs techniques de prétraitement de texte (</a:t>
-            </a:r>
-            <a:r>
-              <a:rPr lang="fr-FR" sz="1050" dirty="0" err="1">
-                <a:solidFill>
-                  <a:schemeClr val="accent3">
-                    <a:lumMod val="75000"/>
-                  </a:schemeClr>
-                </a:solidFill>
-              </a:rPr>
-              <a:t>Stemming</a:t>
-            </a:r>
-            <a:r>
-              <a:rPr lang="fr-FR" sz="1050" dirty="0">
-                <a:solidFill>
-                  <a:schemeClr val="accent3">
-                    <a:lumMod val="75000"/>
-                  </a:schemeClr>
-                </a:solidFill>
-              </a:rPr>
-              <a:t> / Lemmatisation</a:t>
-            </a:r>
-            <a:r>
-              <a:rPr lang="fr-FR" sz="1050" dirty="0"/>
-              <a:t>, suppression des stops </a:t>
-            </a:r>
-            <a:r>
-              <a:rPr lang="fr-FR" sz="1050" dirty="0" err="1"/>
-              <a:t>words</a:t>
-            </a:r>
-            <a:r>
-              <a:rPr lang="fr-FR" sz="1050" dirty="0"/>
-              <a:t>, des caractères spéciaux …), puis plusieurs types de </a:t>
-            </a:r>
-            <a:r>
-              <a:rPr lang="fr-FR" sz="1050" dirty="0" err="1"/>
-              <a:t>word</a:t>
-            </a:r>
-            <a:r>
-              <a:rPr lang="fr-FR" sz="1050" dirty="0"/>
-              <a:t> </a:t>
-            </a:r>
-            <a:r>
-              <a:rPr lang="fr-FR" sz="1050" dirty="0" err="1"/>
-              <a:t>embedding</a:t>
-            </a:r>
-            <a:r>
-              <a:rPr lang="fr-FR" sz="1050" dirty="0"/>
-              <a:t> (</a:t>
-            </a:r>
-            <a:r>
-              <a:rPr lang="fr-FR" sz="1050" dirty="0">
-                <a:solidFill>
-                  <a:schemeClr val="accent3">
-                    <a:lumMod val="75000"/>
-                  </a:schemeClr>
-                </a:solidFill>
-              </a:rPr>
-              <a:t>Word2vec, </a:t>
-            </a:r>
-            <a:r>
-              <a:rPr lang="fr-FR" sz="1050" dirty="0" err="1">
-                <a:solidFill>
-                  <a:schemeClr val="accent3">
-                    <a:lumMod val="75000"/>
-                  </a:schemeClr>
-                </a:solidFill>
-              </a:rPr>
-              <a:t>Glove</a:t>
-            </a:r>
-            <a:r>
-              <a:rPr lang="fr-FR" sz="1050" dirty="0"/>
-              <a:t>). L’objectif est de déterminer la meilleure combinaison de ces techniques sur un modèle simple, pour l’utiliser ensuite sur des modèles plus complexes.</a:t>
-            </a:r>
-          </a:p>
-          <a:p>
-            <a:endParaRPr lang="fr-FR" sz="1050" dirty="0"/>
-          </a:p>
-          <a:p>
-            <a:r>
-              <a:rPr lang="fr-FR" sz="1050" dirty="0"/>
-              <a:t>Les modèles testés sont : </a:t>
-            </a:r>
-            <a:r>
-              <a:rPr lang="fr-FR" sz="1050" dirty="0">
-                <a:solidFill>
-                  <a:schemeClr val="accent3">
-                    <a:lumMod val="75000"/>
-                  </a:schemeClr>
-                </a:solidFill>
-              </a:rPr>
-              <a:t>LSTM</a:t>
-            </a:r>
-            <a:r>
-              <a:rPr lang="fr-FR" sz="1050" dirty="0"/>
-              <a:t> (Long short-</a:t>
-            </a:r>
-            <a:r>
-              <a:rPr lang="fr-FR" sz="1050" dirty="0" err="1"/>
-              <a:t>term</a:t>
-            </a:r>
-            <a:r>
-              <a:rPr lang="fr-FR" sz="1050" dirty="0"/>
-              <a:t> memory), </a:t>
-            </a:r>
-            <a:r>
-              <a:rPr lang="fr-FR" sz="1050" dirty="0">
-                <a:solidFill>
-                  <a:schemeClr val="accent3">
-                    <a:lumMod val="75000"/>
-                  </a:schemeClr>
-                </a:solidFill>
-              </a:rPr>
-              <a:t>FFNN</a:t>
-            </a:r>
-            <a:r>
-              <a:rPr lang="fr-FR" sz="1050" dirty="0"/>
-              <a:t> (</a:t>
-            </a:r>
-            <a:r>
-              <a:rPr lang="fr-FR" sz="1050" dirty="0" err="1"/>
-              <a:t>Feedforward</a:t>
-            </a:r>
-            <a:r>
-              <a:rPr lang="fr-FR" sz="1050" dirty="0"/>
-              <a:t> neural network), </a:t>
-            </a:r>
-            <a:r>
-              <a:rPr lang="fr-FR" sz="1050" dirty="0" err="1"/>
-              <a:t>bidirectional</a:t>
-            </a:r>
-            <a:r>
-              <a:rPr lang="fr-FR" sz="1050" dirty="0"/>
-              <a:t> </a:t>
-            </a:r>
-            <a:r>
-              <a:rPr lang="fr-FR" sz="1050" dirty="0">
-                <a:solidFill>
-                  <a:schemeClr val="accent3">
-                    <a:lumMod val="75000"/>
-                  </a:schemeClr>
-                </a:solidFill>
-              </a:rPr>
-              <a:t>LSTM</a:t>
-            </a:r>
-            <a:r>
-              <a:rPr lang="fr-FR" sz="1050" dirty="0"/>
-              <a:t>, </a:t>
-            </a:r>
-            <a:r>
-              <a:rPr lang="fr-FR" sz="1050" dirty="0">
-                <a:solidFill>
-                  <a:schemeClr val="accent3">
-                    <a:lumMod val="75000"/>
-                  </a:schemeClr>
-                </a:solidFill>
-              </a:rPr>
-              <a:t>BERT</a:t>
-            </a:r>
-            <a:r>
-              <a:rPr lang="fr-FR" sz="1050" dirty="0"/>
-              <a:t> (</a:t>
-            </a:r>
-            <a:r>
-              <a:rPr lang="fr-FR" sz="1050" dirty="0" err="1"/>
-              <a:t>Bidirectional</a:t>
-            </a:r>
-            <a:r>
-              <a:rPr lang="fr-FR" sz="1050" dirty="0"/>
-              <a:t> Encoder </a:t>
-            </a:r>
-            <a:r>
-              <a:rPr lang="fr-FR" sz="1050" dirty="0" err="1"/>
-              <a:t>Representations</a:t>
-            </a:r>
-            <a:r>
-              <a:rPr lang="fr-FR" sz="1050" dirty="0"/>
-              <a:t> </a:t>
-            </a:r>
-            <a:r>
-              <a:rPr lang="fr-FR" sz="1050" dirty="0" err="1"/>
-              <a:t>from</a:t>
-            </a:r>
-            <a:r>
-              <a:rPr lang="fr-FR" sz="1050" dirty="0"/>
-              <a:t> Transformers).</a:t>
-            </a:r>
-            <a:endParaRPr lang="fr-FR" sz="1100" dirty="0" smtClean="0">
-              <a:solidFill>
-                <a:schemeClr val="accent3">
-                  <a:lumMod val="75000"/>
-                </a:schemeClr>
-              </a:solidFill>
-            </a:endParaRPr>
-          </a:p>
-        </p:txBody>
-      </p:sp>
-    </p:spTree>
-    <p:extLst>
-      <p:ext uri="{BB962C8B-B14F-4D97-AF65-F5344CB8AC3E}">
-        <p14:creationId xmlns:p14="http://schemas.microsoft.com/office/powerpoint/2010/main" val="536927986"/>
-      </p:ext>
-    </p:extLst>
-  </p:cSld>
-  <p:clrMapOvr>
-    <a:masterClrMapping/>
-  </p:clrMapOvr>
-  <p:timing>
-    <p:tnLst>
-      <p:par>
-        <p:cTn id="1" dur="indefinite" restart="never" nodeType="tmRoot"/>
-      </p:par>
-    </p:tnLst>
-  </p:timing>
-</p:sld>
-</file>
-
 <file path=ppt/slides/slide12.xml><?xml version="1.0" encoding="utf-8"?>
 <p:sld xmlns:a="http://schemas.openxmlformats.org/drawingml/2006/main" xmlns:r="http://schemas.openxmlformats.org/officeDocument/2006/relationships" xmlns:p="http://schemas.openxmlformats.org/presentationml/2006/main">
   <p:cSld>
@@ -14560,15 +14478,884 @@
                   <a:schemeClr val="accent2"/>
                 </a:solidFill>
               </a:rPr>
-              <a:t>Approche </a:t>
-            </a:r>
+              <a:t>Approche modèle sur mesure avancé</a:t>
+            </a:r>
+            <a:endParaRPr lang="fr-FR" dirty="0">
+              <a:solidFill>
+                <a:schemeClr val="accent2"/>
+              </a:solidFill>
+            </a:endParaRPr>
+          </a:p>
+        </p:txBody>
+      </p:sp>
+      <p:sp>
+        <p:nvSpPr>
+          <p:cNvPr id="6" name="Espace réservé du texte 1"/>
+          <p:cNvSpPr txBox="1">
+            <a:spLocks/>
+          </p:cNvSpPr>
+          <p:nvPr/>
+        </p:nvSpPr>
+        <p:spPr>
+          <a:xfrm>
+            <a:off x="495371" y="1004962"/>
+            <a:ext cx="6708993" cy="3553287"/>
+          </a:xfrm>
+          <a:prstGeom prst="rect">
+            <a:avLst/>
+          </a:prstGeom>
+          <a:noFill/>
+          <a:ln>
+            <a:noFill/>
+          </a:ln>
+        </p:spPr>
+        <p:txBody>
+          <a:bodyPr spcFirstLastPara="1" wrap="square" lIns="91425" tIns="91425" rIns="91425" bIns="91425" anchor="t" anchorCtr="0">
+            <a:noAutofit/>
+          </a:bodyPr>
+          <a:lstStyle>
+            <a:defPPr marR="0" lvl="0" algn="l" rtl="0">
+              <a:lnSpc>
+                <a:spcPct val="100000"/>
+              </a:lnSpc>
+              <a:spcBef>
+                <a:spcPts val="0"/>
+              </a:spcBef>
+              <a:spcAft>
+                <a:spcPts val="0"/>
+              </a:spcAft>
+            </a:defPPr>
+            <a:lvl1pPr marL="457200" marR="0" lvl="0" indent="-342900" algn="l" rtl="0">
+              <a:lnSpc>
+                <a:spcPct val="100000"/>
+              </a:lnSpc>
+              <a:spcBef>
+                <a:spcPts val="0"/>
+              </a:spcBef>
+              <a:spcAft>
+                <a:spcPts val="0"/>
+              </a:spcAft>
+              <a:buClr>
+                <a:schemeClr val="lt1"/>
+              </a:buClr>
+              <a:buSzPts val="1800"/>
+              <a:buFont typeface="Maven Pro"/>
+              <a:buChar char="●"/>
+              <a:defRPr sz="1800" b="0" i="0" u="none" strike="noStrike" cap="none">
+                <a:solidFill>
+                  <a:schemeClr val="lt1"/>
+                </a:solidFill>
+                <a:latin typeface="Maven Pro"/>
+                <a:ea typeface="Maven Pro"/>
+                <a:cs typeface="Maven Pro"/>
+                <a:sym typeface="Maven Pro"/>
+              </a:defRPr>
+            </a:lvl1pPr>
+            <a:lvl2pPr marL="914400" marR="0" lvl="1" indent="-317500" algn="l" rtl="0">
+              <a:lnSpc>
+                <a:spcPct val="115000"/>
+              </a:lnSpc>
+              <a:spcBef>
+                <a:spcPts val="0"/>
+              </a:spcBef>
+              <a:spcAft>
+                <a:spcPts val="0"/>
+              </a:spcAft>
+              <a:buClr>
+                <a:schemeClr val="lt1"/>
+              </a:buClr>
+              <a:buSzPts val="1400"/>
+              <a:buFont typeface="Maven Pro"/>
+              <a:buChar char="○"/>
+              <a:defRPr sz="1400" b="0" i="0" u="none" strike="noStrike" cap="none">
+                <a:solidFill>
+                  <a:schemeClr val="lt1"/>
+                </a:solidFill>
+                <a:latin typeface="Maven Pro"/>
+                <a:ea typeface="Maven Pro"/>
+                <a:cs typeface="Maven Pro"/>
+                <a:sym typeface="Maven Pro"/>
+              </a:defRPr>
+            </a:lvl2pPr>
+            <a:lvl3pPr marL="1371600" marR="0" lvl="2" indent="-317500" algn="l" rtl="0">
+              <a:lnSpc>
+                <a:spcPct val="115000"/>
+              </a:lnSpc>
+              <a:spcBef>
+                <a:spcPts val="1600"/>
+              </a:spcBef>
+              <a:spcAft>
+                <a:spcPts val="0"/>
+              </a:spcAft>
+              <a:buClr>
+                <a:schemeClr val="lt1"/>
+              </a:buClr>
+              <a:buSzPts val="1400"/>
+              <a:buFont typeface="Maven Pro"/>
+              <a:buChar char="■"/>
+              <a:defRPr sz="1400" b="0" i="0" u="none" strike="noStrike" cap="none">
+                <a:solidFill>
+                  <a:schemeClr val="lt1"/>
+                </a:solidFill>
+                <a:latin typeface="Maven Pro"/>
+                <a:ea typeface="Maven Pro"/>
+                <a:cs typeface="Maven Pro"/>
+                <a:sym typeface="Maven Pro"/>
+              </a:defRPr>
+            </a:lvl3pPr>
+            <a:lvl4pPr marL="1828800" marR="0" lvl="3" indent="-317500" algn="l" rtl="0">
+              <a:lnSpc>
+                <a:spcPct val="115000"/>
+              </a:lnSpc>
+              <a:spcBef>
+                <a:spcPts val="1600"/>
+              </a:spcBef>
+              <a:spcAft>
+                <a:spcPts val="0"/>
+              </a:spcAft>
+              <a:buClr>
+                <a:schemeClr val="lt1"/>
+              </a:buClr>
+              <a:buSzPts val="1400"/>
+              <a:buFont typeface="Maven Pro"/>
+              <a:buChar char="●"/>
+              <a:defRPr sz="1400" b="0" i="0" u="none" strike="noStrike" cap="none">
+                <a:solidFill>
+                  <a:schemeClr val="lt1"/>
+                </a:solidFill>
+                <a:latin typeface="Maven Pro"/>
+                <a:ea typeface="Maven Pro"/>
+                <a:cs typeface="Maven Pro"/>
+                <a:sym typeface="Maven Pro"/>
+              </a:defRPr>
+            </a:lvl4pPr>
+            <a:lvl5pPr marL="2286000" marR="0" lvl="4" indent="-317500" algn="l" rtl="0">
+              <a:lnSpc>
+                <a:spcPct val="115000"/>
+              </a:lnSpc>
+              <a:spcBef>
+                <a:spcPts val="1600"/>
+              </a:spcBef>
+              <a:spcAft>
+                <a:spcPts val="0"/>
+              </a:spcAft>
+              <a:buClr>
+                <a:schemeClr val="lt1"/>
+              </a:buClr>
+              <a:buSzPts val="1400"/>
+              <a:buFont typeface="Maven Pro"/>
+              <a:buChar char="○"/>
+              <a:defRPr sz="1400" b="0" i="0" u="none" strike="noStrike" cap="none">
+                <a:solidFill>
+                  <a:schemeClr val="lt1"/>
+                </a:solidFill>
+                <a:latin typeface="Maven Pro"/>
+                <a:ea typeface="Maven Pro"/>
+                <a:cs typeface="Maven Pro"/>
+                <a:sym typeface="Maven Pro"/>
+              </a:defRPr>
+            </a:lvl5pPr>
+            <a:lvl6pPr marL="2743200" marR="0" lvl="5" indent="-317500" algn="l" rtl="0">
+              <a:lnSpc>
+                <a:spcPct val="115000"/>
+              </a:lnSpc>
+              <a:spcBef>
+                <a:spcPts val="1600"/>
+              </a:spcBef>
+              <a:spcAft>
+                <a:spcPts val="0"/>
+              </a:spcAft>
+              <a:buClr>
+                <a:schemeClr val="lt1"/>
+              </a:buClr>
+              <a:buSzPts val="1400"/>
+              <a:buFont typeface="Maven Pro"/>
+              <a:buChar char="■"/>
+              <a:defRPr sz="1400" b="0" i="0" u="none" strike="noStrike" cap="none">
+                <a:solidFill>
+                  <a:schemeClr val="lt1"/>
+                </a:solidFill>
+                <a:latin typeface="Maven Pro"/>
+                <a:ea typeface="Maven Pro"/>
+                <a:cs typeface="Maven Pro"/>
+                <a:sym typeface="Maven Pro"/>
+              </a:defRPr>
+            </a:lvl6pPr>
+            <a:lvl7pPr marL="3200400" marR="0" lvl="6" indent="-317500" algn="l" rtl="0">
+              <a:lnSpc>
+                <a:spcPct val="115000"/>
+              </a:lnSpc>
+              <a:spcBef>
+                <a:spcPts val="1600"/>
+              </a:spcBef>
+              <a:spcAft>
+                <a:spcPts val="0"/>
+              </a:spcAft>
+              <a:buClr>
+                <a:schemeClr val="lt1"/>
+              </a:buClr>
+              <a:buSzPts val="1400"/>
+              <a:buFont typeface="Maven Pro"/>
+              <a:buChar char="●"/>
+              <a:defRPr sz="1400" b="0" i="0" u="none" strike="noStrike" cap="none">
+                <a:solidFill>
+                  <a:schemeClr val="lt1"/>
+                </a:solidFill>
+                <a:latin typeface="Maven Pro"/>
+                <a:ea typeface="Maven Pro"/>
+                <a:cs typeface="Maven Pro"/>
+                <a:sym typeface="Maven Pro"/>
+              </a:defRPr>
+            </a:lvl7pPr>
+            <a:lvl8pPr marL="3657600" marR="0" lvl="7" indent="-317500" algn="l" rtl="0">
+              <a:lnSpc>
+                <a:spcPct val="115000"/>
+              </a:lnSpc>
+              <a:spcBef>
+                <a:spcPts val="1600"/>
+              </a:spcBef>
+              <a:spcAft>
+                <a:spcPts val="0"/>
+              </a:spcAft>
+              <a:buClr>
+                <a:schemeClr val="lt1"/>
+              </a:buClr>
+              <a:buSzPts val="1400"/>
+              <a:buFont typeface="Maven Pro"/>
+              <a:buChar char="○"/>
+              <a:defRPr sz="1400" b="0" i="0" u="none" strike="noStrike" cap="none">
+                <a:solidFill>
+                  <a:schemeClr val="lt1"/>
+                </a:solidFill>
+                <a:latin typeface="Maven Pro"/>
+                <a:ea typeface="Maven Pro"/>
+                <a:cs typeface="Maven Pro"/>
+                <a:sym typeface="Maven Pro"/>
+              </a:defRPr>
+            </a:lvl8pPr>
+            <a:lvl9pPr marL="4114800" marR="0" lvl="8" indent="-317500" algn="l" rtl="0">
+              <a:lnSpc>
+                <a:spcPct val="115000"/>
+              </a:lnSpc>
+              <a:spcBef>
+                <a:spcPts val="1600"/>
+              </a:spcBef>
+              <a:spcAft>
+                <a:spcPts val="1600"/>
+              </a:spcAft>
+              <a:buClr>
+                <a:schemeClr val="lt1"/>
+              </a:buClr>
+              <a:buSzPts val="1400"/>
+              <a:buFont typeface="Maven Pro"/>
+              <a:buChar char="■"/>
+              <a:defRPr sz="1400" b="0" i="0" u="none" strike="noStrike" cap="none">
+                <a:solidFill>
+                  <a:schemeClr val="lt1"/>
+                </a:solidFill>
+                <a:latin typeface="Maven Pro"/>
+                <a:ea typeface="Maven Pro"/>
+                <a:cs typeface="Maven Pro"/>
+                <a:sym typeface="Maven Pro"/>
+              </a:defRPr>
+            </a:lvl9pPr>
+          </a:lstStyle>
+          <a:p>
+            <a:pPr marL="114300" indent="0">
+              <a:buNone/>
+            </a:pPr>
+            <a:r>
+              <a:rPr lang="fr-FR" sz="1200" dirty="0"/>
+              <a:t>On va utiliser le </a:t>
+            </a:r>
+            <a:r>
+              <a:rPr lang="fr-FR" sz="1200" dirty="0">
+                <a:solidFill>
+                  <a:schemeClr val="accent3">
+                    <a:lumMod val="75000"/>
+                  </a:schemeClr>
+                </a:solidFill>
+              </a:rPr>
+              <a:t>service notebooks </a:t>
+            </a:r>
+            <a:r>
+              <a:rPr lang="fr-FR" sz="1200" dirty="0"/>
+              <a:t>d’Azure Machine Learning pour développer un modèle basé sur des réseaux de neurones profonds pour prédire le sentiment associé à un tweet.</a:t>
+            </a:r>
+            <a:endParaRPr lang="fr-FR" sz="1100" dirty="0" smtClean="0">
+              <a:solidFill>
+                <a:schemeClr val="accent3">
+                  <a:lumMod val="75000"/>
+                </a:schemeClr>
+              </a:solidFill>
+            </a:endParaRPr>
+          </a:p>
+          <a:p>
+            <a:pPr marL="114300" indent="0">
+              <a:buNone/>
+            </a:pPr>
+            <a:endParaRPr lang="fr-FR" sz="1100" dirty="0" smtClean="0">
+              <a:solidFill>
+                <a:schemeClr val="accent3">
+                  <a:lumMod val="75000"/>
+                </a:schemeClr>
+              </a:solidFill>
+            </a:endParaRPr>
+          </a:p>
+          <a:p>
+            <a:r>
+              <a:rPr lang="fr-FR" sz="1050" dirty="0"/>
+              <a:t>On va d’abord entraîner </a:t>
+            </a:r>
+            <a:r>
+              <a:rPr lang="fr-FR" sz="1050" dirty="0">
+                <a:solidFill>
+                  <a:schemeClr val="accent3">
+                    <a:lumMod val="75000"/>
+                  </a:schemeClr>
+                </a:solidFill>
+              </a:rPr>
+              <a:t>plusieurs modèles </a:t>
+            </a:r>
+            <a:r>
+              <a:rPr lang="fr-FR" sz="1050" dirty="0"/>
+              <a:t>en local sur un </a:t>
+            </a:r>
+            <a:r>
+              <a:rPr lang="fr-FR" sz="1050" dirty="0">
+                <a:solidFill>
+                  <a:schemeClr val="accent3">
+                    <a:lumMod val="75000"/>
+                  </a:schemeClr>
+                </a:solidFill>
+              </a:rPr>
+              <a:t>échantillon de 40 000 tweets </a:t>
+            </a:r>
+            <a:r>
+              <a:rPr lang="fr-FR" sz="1050" dirty="0"/>
+              <a:t>afin de limiter les temps de calcul.</a:t>
+            </a:r>
+          </a:p>
+          <a:p>
+            <a:endParaRPr lang="fr-FR" sz="1050" dirty="0"/>
+          </a:p>
+          <a:p>
+            <a:r>
+              <a:rPr lang="fr-FR" sz="1050" dirty="0"/>
+              <a:t>On commence par tester plusieurs techniques de prétraitement de texte (</a:t>
+            </a:r>
+            <a:r>
+              <a:rPr lang="fr-FR" sz="1050" dirty="0" err="1">
+                <a:solidFill>
+                  <a:schemeClr val="accent3">
+                    <a:lumMod val="75000"/>
+                  </a:schemeClr>
+                </a:solidFill>
+              </a:rPr>
+              <a:t>Stemming</a:t>
+            </a:r>
+            <a:r>
+              <a:rPr lang="fr-FR" sz="1050" dirty="0">
+                <a:solidFill>
+                  <a:schemeClr val="accent3">
+                    <a:lumMod val="75000"/>
+                  </a:schemeClr>
+                </a:solidFill>
+              </a:rPr>
+              <a:t> / Lemmatisation</a:t>
+            </a:r>
+            <a:r>
+              <a:rPr lang="fr-FR" sz="1050" dirty="0"/>
+              <a:t>, suppression des stops </a:t>
+            </a:r>
+            <a:r>
+              <a:rPr lang="fr-FR" sz="1050" dirty="0" err="1"/>
+              <a:t>words</a:t>
+            </a:r>
+            <a:r>
+              <a:rPr lang="fr-FR" sz="1050" dirty="0"/>
+              <a:t>, des caractères spéciaux …), puis plusieurs types de </a:t>
+            </a:r>
+            <a:r>
+              <a:rPr lang="fr-FR" sz="1050" dirty="0" err="1"/>
+              <a:t>word</a:t>
+            </a:r>
+            <a:r>
+              <a:rPr lang="fr-FR" sz="1050" dirty="0"/>
+              <a:t> </a:t>
+            </a:r>
+            <a:r>
+              <a:rPr lang="fr-FR" sz="1050" dirty="0" err="1"/>
+              <a:t>embedding</a:t>
+            </a:r>
+            <a:r>
+              <a:rPr lang="fr-FR" sz="1050" dirty="0"/>
+              <a:t> (</a:t>
+            </a:r>
+            <a:r>
+              <a:rPr lang="fr-FR" sz="1050" dirty="0">
+                <a:solidFill>
+                  <a:schemeClr val="accent3">
+                    <a:lumMod val="75000"/>
+                  </a:schemeClr>
+                </a:solidFill>
+              </a:rPr>
+              <a:t>Word2vec, </a:t>
+            </a:r>
+            <a:r>
+              <a:rPr lang="fr-FR" sz="1050" dirty="0" err="1">
+                <a:solidFill>
+                  <a:schemeClr val="accent3">
+                    <a:lumMod val="75000"/>
+                  </a:schemeClr>
+                </a:solidFill>
+              </a:rPr>
+              <a:t>Glove</a:t>
+            </a:r>
+            <a:r>
+              <a:rPr lang="fr-FR" sz="1050" dirty="0"/>
+              <a:t>). L’objectif est de déterminer la meilleure combinaison de ces techniques sur un modèle simple, pour l’utiliser ensuite sur des modèles plus complexes.</a:t>
+            </a:r>
+          </a:p>
+          <a:p>
+            <a:endParaRPr lang="fr-FR" sz="1050" dirty="0"/>
+          </a:p>
+          <a:p>
+            <a:r>
+              <a:rPr lang="fr-FR" sz="1050" dirty="0"/>
+              <a:t>Les modèles testés sont : </a:t>
+            </a:r>
+            <a:r>
+              <a:rPr lang="fr-FR" sz="1050" dirty="0">
+                <a:solidFill>
+                  <a:schemeClr val="accent3">
+                    <a:lumMod val="75000"/>
+                  </a:schemeClr>
+                </a:solidFill>
+              </a:rPr>
+              <a:t>LSTM</a:t>
+            </a:r>
+            <a:r>
+              <a:rPr lang="fr-FR" sz="1050" dirty="0"/>
+              <a:t> (Long short-</a:t>
+            </a:r>
+            <a:r>
+              <a:rPr lang="fr-FR" sz="1050" dirty="0" err="1"/>
+              <a:t>term</a:t>
+            </a:r>
+            <a:r>
+              <a:rPr lang="fr-FR" sz="1050" dirty="0"/>
+              <a:t> memory), </a:t>
+            </a:r>
+            <a:r>
+              <a:rPr lang="fr-FR" sz="1050" dirty="0">
+                <a:solidFill>
+                  <a:schemeClr val="accent3">
+                    <a:lumMod val="75000"/>
+                  </a:schemeClr>
+                </a:solidFill>
+              </a:rPr>
+              <a:t>FFNN</a:t>
+            </a:r>
+            <a:r>
+              <a:rPr lang="fr-FR" sz="1050" dirty="0"/>
+              <a:t> (</a:t>
+            </a:r>
+            <a:r>
+              <a:rPr lang="fr-FR" sz="1050" dirty="0" err="1"/>
+              <a:t>Feedforward</a:t>
+            </a:r>
+            <a:r>
+              <a:rPr lang="fr-FR" sz="1050" dirty="0"/>
+              <a:t> neural network), </a:t>
+            </a:r>
+            <a:r>
+              <a:rPr lang="fr-FR" sz="1050" dirty="0" err="1"/>
+              <a:t>bidirectional</a:t>
+            </a:r>
+            <a:r>
+              <a:rPr lang="fr-FR" sz="1050" dirty="0"/>
+              <a:t> </a:t>
+            </a:r>
+            <a:r>
+              <a:rPr lang="fr-FR" sz="1050" dirty="0">
+                <a:solidFill>
+                  <a:schemeClr val="accent3">
+                    <a:lumMod val="75000"/>
+                  </a:schemeClr>
+                </a:solidFill>
+              </a:rPr>
+              <a:t>LSTM</a:t>
+            </a:r>
+            <a:r>
+              <a:rPr lang="fr-FR" sz="1050" dirty="0"/>
+              <a:t>, </a:t>
+            </a:r>
+            <a:r>
+              <a:rPr lang="fr-FR" sz="1050" dirty="0">
+                <a:solidFill>
+                  <a:schemeClr val="accent3">
+                    <a:lumMod val="75000"/>
+                  </a:schemeClr>
+                </a:solidFill>
+              </a:rPr>
+              <a:t>BERT</a:t>
+            </a:r>
+            <a:r>
+              <a:rPr lang="fr-FR" sz="1050" dirty="0"/>
+              <a:t> (</a:t>
+            </a:r>
+            <a:r>
+              <a:rPr lang="fr-FR" sz="1050" dirty="0" err="1"/>
+              <a:t>Bidirectional</a:t>
+            </a:r>
+            <a:r>
+              <a:rPr lang="fr-FR" sz="1050" dirty="0"/>
+              <a:t> Encoder </a:t>
+            </a:r>
+            <a:r>
+              <a:rPr lang="fr-FR" sz="1050" dirty="0" err="1"/>
+              <a:t>Representations</a:t>
+            </a:r>
+            <a:r>
+              <a:rPr lang="fr-FR" sz="1050" dirty="0"/>
+              <a:t> </a:t>
+            </a:r>
+            <a:r>
+              <a:rPr lang="fr-FR" sz="1050" dirty="0" err="1"/>
+              <a:t>from</a:t>
+            </a:r>
+            <a:r>
+              <a:rPr lang="fr-FR" sz="1050" dirty="0"/>
+              <a:t> Transformers).</a:t>
+            </a:r>
+            <a:endParaRPr lang="fr-FR" sz="1100" dirty="0" smtClean="0">
+              <a:solidFill>
+                <a:schemeClr val="accent3">
+                  <a:lumMod val="75000"/>
+                </a:schemeClr>
+              </a:solidFill>
+            </a:endParaRPr>
+          </a:p>
+        </p:txBody>
+      </p:sp>
+    </p:spTree>
+    <p:extLst>
+      <p:ext uri="{BB962C8B-B14F-4D97-AF65-F5344CB8AC3E}">
+        <p14:creationId xmlns:p14="http://schemas.microsoft.com/office/powerpoint/2010/main" val="536927986"/>
+      </p:ext>
+    </p:extLst>
+  </p:cSld>
+  <p:clrMapOvr>
+    <a:masterClrMapping/>
+  </p:clrMapOvr>
+  <p:timing>
+    <p:tnLst>
+      <p:par>
+        <p:cTn id="1" dur="indefinite" restart="never" nodeType="tmRoot"/>
+      </p:par>
+    </p:tnLst>
+  </p:timing>
+</p:sld>
+</file>
+
+<file path=ppt/slides/slide13.xml><?xml version="1.0" encoding="utf-8"?>
+<p:sld xmlns:a="http://schemas.openxmlformats.org/drawingml/2006/main" xmlns:r="http://schemas.openxmlformats.org/officeDocument/2006/relationships" xmlns:p="http://schemas.openxmlformats.org/presentationml/2006/main">
+  <p:cSld>
+    <p:spTree>
+      <p:nvGrpSpPr>
+        <p:cNvPr id="1" name=""/>
+        <p:cNvGrpSpPr/>
+        <p:nvPr/>
+      </p:nvGrpSpPr>
+      <p:grpSpPr>
+        <a:xfrm>
+          <a:off x="0" y="0"/>
+          <a:ext cx="0" cy="0"/>
+          <a:chOff x="0" y="0"/>
+          <a:chExt cx="0" cy="0"/>
+        </a:xfrm>
+      </p:grpSpPr>
+      <p:sp>
+        <p:nvSpPr>
+          <p:cNvPr id="7" name="Titre 2"/>
+          <p:cNvSpPr txBox="1">
+            <a:spLocks/>
+          </p:cNvSpPr>
+          <p:nvPr/>
+        </p:nvSpPr>
+        <p:spPr>
+          <a:xfrm>
+            <a:off x="406176" y="425851"/>
+            <a:ext cx="7653305" cy="577800"/>
+          </a:xfrm>
+          <a:prstGeom prst="rect">
+            <a:avLst/>
+          </a:prstGeom>
+          <a:noFill/>
+          <a:ln>
+            <a:noFill/>
+          </a:ln>
+        </p:spPr>
+        <p:txBody>
+          <a:bodyPr spcFirstLastPara="1" wrap="square" lIns="91425" tIns="91425" rIns="91425" bIns="91425" anchor="b" anchorCtr="0">
+            <a:noAutofit/>
+          </a:bodyPr>
+          <a:lstStyle>
+            <a:defPPr marR="0" lvl="0" algn="l" rtl="0">
+              <a:lnSpc>
+                <a:spcPct val="100000"/>
+              </a:lnSpc>
+              <a:spcBef>
+                <a:spcPts val="0"/>
+              </a:spcBef>
+              <a:spcAft>
+                <a:spcPts val="0"/>
+              </a:spcAft>
+            </a:defPPr>
+            <a:lvl1pPr marR="0" lvl="0" algn="l" rtl="0">
+              <a:lnSpc>
+                <a:spcPct val="100000"/>
+              </a:lnSpc>
+              <a:spcBef>
+                <a:spcPts val="0"/>
+              </a:spcBef>
+              <a:spcAft>
+                <a:spcPts val="0"/>
+              </a:spcAft>
+              <a:buClr>
+                <a:srgbClr val="000000"/>
+              </a:buClr>
+              <a:buSzPts val="3600"/>
+              <a:buFont typeface="Share Tech"/>
+              <a:buNone/>
+              <a:defRPr sz="3000" b="0" i="0" u="none" strike="noStrike" cap="none">
+                <a:solidFill>
+                  <a:schemeClr val="lt1"/>
+                </a:solidFill>
+                <a:latin typeface="Share Tech"/>
+                <a:ea typeface="Share Tech"/>
+                <a:cs typeface="Share Tech"/>
+                <a:sym typeface="Share Tech"/>
+              </a:defRPr>
+            </a:lvl1pPr>
+            <a:lvl2pPr marR="0" lvl="1" algn="ctr" rtl="0">
+              <a:lnSpc>
+                <a:spcPct val="100000"/>
+              </a:lnSpc>
+              <a:spcBef>
+                <a:spcPts val="0"/>
+              </a:spcBef>
+              <a:spcAft>
+                <a:spcPts val="0"/>
+              </a:spcAft>
+              <a:buClr>
+                <a:srgbClr val="D9D9D9"/>
+              </a:buClr>
+              <a:buSzPts val="1800"/>
+              <a:buFont typeface="Share Tech"/>
+              <a:buNone/>
+              <a:defRPr sz="1800" b="0" i="0" u="none" strike="noStrike" cap="none">
+                <a:solidFill>
+                  <a:srgbClr val="D9D9D9"/>
+                </a:solidFill>
+                <a:latin typeface="Share Tech"/>
+                <a:ea typeface="Share Tech"/>
+                <a:cs typeface="Share Tech"/>
+                <a:sym typeface="Share Tech"/>
+              </a:defRPr>
+            </a:lvl2pPr>
+            <a:lvl3pPr marR="0" lvl="2" algn="ctr" rtl="0">
+              <a:lnSpc>
+                <a:spcPct val="100000"/>
+              </a:lnSpc>
+              <a:spcBef>
+                <a:spcPts val="0"/>
+              </a:spcBef>
+              <a:spcAft>
+                <a:spcPts val="0"/>
+              </a:spcAft>
+              <a:buClr>
+                <a:srgbClr val="D9D9D9"/>
+              </a:buClr>
+              <a:buSzPts val="1800"/>
+              <a:buFont typeface="Share Tech"/>
+              <a:buNone/>
+              <a:defRPr sz="1800" b="0" i="0" u="none" strike="noStrike" cap="none">
+                <a:solidFill>
+                  <a:srgbClr val="D9D9D9"/>
+                </a:solidFill>
+                <a:latin typeface="Share Tech"/>
+                <a:ea typeface="Share Tech"/>
+                <a:cs typeface="Share Tech"/>
+                <a:sym typeface="Share Tech"/>
+              </a:defRPr>
+            </a:lvl3pPr>
+            <a:lvl4pPr marR="0" lvl="3" algn="ctr" rtl="0">
+              <a:lnSpc>
+                <a:spcPct val="100000"/>
+              </a:lnSpc>
+              <a:spcBef>
+                <a:spcPts val="0"/>
+              </a:spcBef>
+              <a:spcAft>
+                <a:spcPts val="0"/>
+              </a:spcAft>
+              <a:buClr>
+                <a:srgbClr val="D9D9D9"/>
+              </a:buClr>
+              <a:buSzPts val="1800"/>
+              <a:buFont typeface="Share Tech"/>
+              <a:buNone/>
+              <a:defRPr sz="1800" b="0" i="0" u="none" strike="noStrike" cap="none">
+                <a:solidFill>
+                  <a:srgbClr val="D9D9D9"/>
+                </a:solidFill>
+                <a:latin typeface="Share Tech"/>
+                <a:ea typeface="Share Tech"/>
+                <a:cs typeface="Share Tech"/>
+                <a:sym typeface="Share Tech"/>
+              </a:defRPr>
+            </a:lvl4pPr>
+            <a:lvl5pPr marR="0" lvl="4" algn="ctr" rtl="0">
+              <a:lnSpc>
+                <a:spcPct val="100000"/>
+              </a:lnSpc>
+              <a:spcBef>
+                <a:spcPts val="0"/>
+              </a:spcBef>
+              <a:spcAft>
+                <a:spcPts val="0"/>
+              </a:spcAft>
+              <a:buClr>
+                <a:srgbClr val="D9D9D9"/>
+              </a:buClr>
+              <a:buSzPts val="1800"/>
+              <a:buFont typeface="Share Tech"/>
+              <a:buNone/>
+              <a:defRPr sz="1800" b="0" i="0" u="none" strike="noStrike" cap="none">
+                <a:solidFill>
+                  <a:srgbClr val="D9D9D9"/>
+                </a:solidFill>
+                <a:latin typeface="Share Tech"/>
+                <a:ea typeface="Share Tech"/>
+                <a:cs typeface="Share Tech"/>
+                <a:sym typeface="Share Tech"/>
+              </a:defRPr>
+            </a:lvl5pPr>
+            <a:lvl6pPr marR="0" lvl="5" algn="ctr" rtl="0">
+              <a:lnSpc>
+                <a:spcPct val="100000"/>
+              </a:lnSpc>
+              <a:spcBef>
+                <a:spcPts val="0"/>
+              </a:spcBef>
+              <a:spcAft>
+                <a:spcPts val="0"/>
+              </a:spcAft>
+              <a:buClr>
+                <a:srgbClr val="D9D9D9"/>
+              </a:buClr>
+              <a:buSzPts val="1800"/>
+              <a:buFont typeface="Share Tech"/>
+              <a:buNone/>
+              <a:defRPr sz="1800" b="0" i="0" u="none" strike="noStrike" cap="none">
+                <a:solidFill>
+                  <a:srgbClr val="D9D9D9"/>
+                </a:solidFill>
+                <a:latin typeface="Share Tech"/>
+                <a:ea typeface="Share Tech"/>
+                <a:cs typeface="Share Tech"/>
+                <a:sym typeface="Share Tech"/>
+              </a:defRPr>
+            </a:lvl6pPr>
+            <a:lvl7pPr marR="0" lvl="6" algn="ctr" rtl="0">
+              <a:lnSpc>
+                <a:spcPct val="100000"/>
+              </a:lnSpc>
+              <a:spcBef>
+                <a:spcPts val="0"/>
+              </a:spcBef>
+              <a:spcAft>
+                <a:spcPts val="0"/>
+              </a:spcAft>
+              <a:buClr>
+                <a:srgbClr val="D9D9D9"/>
+              </a:buClr>
+              <a:buSzPts val="1800"/>
+              <a:buFont typeface="Share Tech"/>
+              <a:buNone/>
+              <a:defRPr sz="1800" b="0" i="0" u="none" strike="noStrike" cap="none">
+                <a:solidFill>
+                  <a:srgbClr val="D9D9D9"/>
+                </a:solidFill>
+                <a:latin typeface="Share Tech"/>
+                <a:ea typeface="Share Tech"/>
+                <a:cs typeface="Share Tech"/>
+                <a:sym typeface="Share Tech"/>
+              </a:defRPr>
+            </a:lvl7pPr>
+            <a:lvl8pPr marR="0" lvl="7" algn="ctr" rtl="0">
+              <a:lnSpc>
+                <a:spcPct val="100000"/>
+              </a:lnSpc>
+              <a:spcBef>
+                <a:spcPts val="0"/>
+              </a:spcBef>
+              <a:spcAft>
+                <a:spcPts val="0"/>
+              </a:spcAft>
+              <a:buClr>
+                <a:srgbClr val="D9D9D9"/>
+              </a:buClr>
+              <a:buSzPts val="1800"/>
+              <a:buFont typeface="Share Tech"/>
+              <a:buNone/>
+              <a:defRPr sz="1800" b="0" i="0" u="none" strike="noStrike" cap="none">
+                <a:solidFill>
+                  <a:srgbClr val="D9D9D9"/>
+                </a:solidFill>
+                <a:latin typeface="Share Tech"/>
+                <a:ea typeface="Share Tech"/>
+                <a:cs typeface="Share Tech"/>
+                <a:sym typeface="Share Tech"/>
+              </a:defRPr>
+            </a:lvl8pPr>
+            <a:lvl9pPr marR="0" lvl="8" algn="ctr" rtl="0">
+              <a:lnSpc>
+                <a:spcPct val="100000"/>
+              </a:lnSpc>
+              <a:spcBef>
+                <a:spcPts val="0"/>
+              </a:spcBef>
+              <a:spcAft>
+                <a:spcPts val="0"/>
+              </a:spcAft>
+              <a:buClr>
+                <a:srgbClr val="D9D9D9"/>
+              </a:buClr>
+              <a:buSzPts val="1800"/>
+              <a:buFont typeface="Share Tech"/>
+              <a:buNone/>
+              <a:defRPr sz="1800" b="0" i="0" u="none" strike="noStrike" cap="none">
+                <a:solidFill>
+                  <a:srgbClr val="D9D9D9"/>
+                </a:solidFill>
+                <a:latin typeface="Share Tech"/>
+                <a:ea typeface="Share Tech"/>
+                <a:cs typeface="Share Tech"/>
+                <a:sym typeface="Share Tech"/>
+              </a:defRPr>
+            </a:lvl9pPr>
+          </a:lstStyle>
+          <a:p>
             <a:r>
               <a:rPr lang="fr-FR" dirty="0" smtClean="0">
                 <a:solidFill>
                   <a:schemeClr val="accent2"/>
                 </a:solidFill>
               </a:rPr>
-              <a:t>modèle sur mesure avancé</a:t>
+              <a:t>Approche modèle sur mesure avancé</a:t>
             </a:r>
             <a:endParaRPr lang="fr-FR" dirty="0">
               <a:solidFill>
@@ -15108,7 +15895,7 @@
 </p:sld>
 </file>
 
-<file path=ppt/slides/slide13.xml><?xml version="1.0" encoding="utf-8"?>
+<file path=ppt/slides/slide14.xml><?xml version="1.0" encoding="utf-8"?>
 <p:sld xmlns:a="http://schemas.openxmlformats.org/drawingml/2006/main" xmlns:r="http://schemas.openxmlformats.org/officeDocument/2006/relationships" xmlns:p="http://schemas.openxmlformats.org/presentationml/2006/main">
   <p:cSld>
     <p:spTree>
@@ -15404,15 +16191,7 @@
                   <a:schemeClr val="accent2"/>
                 </a:solidFill>
               </a:rPr>
-              <a:t>Approche </a:t>
-            </a:r>
-            <a:r>
-              <a:rPr lang="fr-FR" dirty="0" smtClean="0">
-                <a:solidFill>
-                  <a:schemeClr val="accent2"/>
-                </a:solidFill>
-              </a:rPr>
-              <a:t>modèle sur mesure avancé</a:t>
+              <a:t>Approche modèle sur mesure avancé</a:t>
             </a:r>
             <a:endParaRPr lang="fr-FR" dirty="0">
               <a:solidFill>
@@ -15875,7 +16654,7 @@
 </p:sld>
 </file>
 
-<file path=ppt/slides/slide14.xml><?xml version="1.0" encoding="utf-8"?>
+<file path=ppt/slides/slide15.xml><?xml version="1.0" encoding="utf-8"?>
 <p:sld xmlns:a="http://schemas.openxmlformats.org/drawingml/2006/main" xmlns:r="http://schemas.openxmlformats.org/officeDocument/2006/relationships" xmlns:p="http://schemas.openxmlformats.org/presentationml/2006/main">
   <p:cSld>
     <p:spTree>
@@ -16171,15 +16950,7 @@
                   <a:schemeClr val="accent2"/>
                 </a:solidFill>
               </a:rPr>
-              <a:t>Approche </a:t>
-            </a:r>
-            <a:r>
-              <a:rPr lang="fr-FR" dirty="0" smtClean="0">
-                <a:solidFill>
-                  <a:schemeClr val="accent2"/>
-                </a:solidFill>
-              </a:rPr>
-              <a:t>modèle sur mesure avancé</a:t>
+              <a:t>Approche modèle sur mesure avancé</a:t>
             </a:r>
             <a:endParaRPr lang="fr-FR" dirty="0">
               <a:solidFill>
@@ -16666,7 +17437,7 @@
 </p:sld>
 </file>
 
-<file path=ppt/slides/slide15.xml><?xml version="1.0" encoding="utf-8"?>
+<file path=ppt/slides/slide16.xml><?xml version="1.0" encoding="utf-8"?>
 <p:sld xmlns:a="http://schemas.openxmlformats.org/drawingml/2006/main" xmlns:r="http://schemas.openxmlformats.org/officeDocument/2006/relationships" xmlns:p="http://schemas.openxmlformats.org/presentationml/2006/main">
   <p:cSld>
     <p:spTree>
@@ -17115,7 +17886,6 @@
               <a:rPr lang="fr-FR" sz="1100" dirty="0"/>
               <a:t> Learning et en programmation, et beaucoup de temps pour la modélisation, l’entraînement et les tests. Mais le résultat final est de loin le meilleur.</a:t>
             </a:r>
-            <a:endParaRPr lang="fr-FR" sz="1100" dirty="0"/>
           </a:p>
         </p:txBody>
       </p:sp>
@@ -17140,6 +17910,192 @@
 </file>
 
 <file path=ppt/slides/slide2.xml><?xml version="1.0" encoding="utf-8"?>
+<p:sld xmlns:a="http://schemas.openxmlformats.org/drawingml/2006/main" xmlns:r="http://schemas.openxmlformats.org/officeDocument/2006/relationships" xmlns:p="http://schemas.openxmlformats.org/presentationml/2006/main">
+  <p:cSld>
+    <p:spTree>
+      <p:nvGrpSpPr>
+        <p:cNvPr id="1" name=""/>
+        <p:cNvGrpSpPr/>
+        <p:nvPr/>
+      </p:nvGrpSpPr>
+      <p:grpSpPr>
+        <a:xfrm>
+          <a:off x="0" y="0"/>
+          <a:ext cx="0" cy="0"/>
+          <a:chOff x="0" y="0"/>
+          <a:chExt cx="0" cy="0"/>
+        </a:xfrm>
+      </p:grpSpPr>
+      <p:sp>
+        <p:nvSpPr>
+          <p:cNvPr id="2" name="Titre 1"/>
+          <p:cNvSpPr>
+            <a:spLocks noGrp="1"/>
+          </p:cNvSpPr>
+          <p:nvPr>
+            <p:ph type="title"/>
+          </p:nvPr>
+        </p:nvSpPr>
+        <p:spPr>
+          <a:xfrm>
+            <a:off x="1733725" y="107903"/>
+            <a:ext cx="5676600" cy="1230300"/>
+          </a:xfrm>
+        </p:spPr>
+        <p:txBody>
+          <a:bodyPr/>
+          <a:lstStyle/>
+          <a:p>
+            <a:r>
+              <a:rPr lang="fr-FR" sz="6000" dirty="0" smtClean="0">
+                <a:solidFill>
+                  <a:schemeClr val="bg1"/>
+                </a:solidFill>
+              </a:rPr>
+              <a:t>Liens</a:t>
+            </a:r>
+            <a:endParaRPr lang="fr-FR" sz="6000" dirty="0">
+              <a:solidFill>
+                <a:schemeClr val="bg1"/>
+              </a:solidFill>
+            </a:endParaRPr>
+          </a:p>
+        </p:txBody>
+      </p:sp>
+      <p:sp>
+        <p:nvSpPr>
+          <p:cNvPr id="3" name="Espace réservé du texte 2"/>
+          <p:cNvSpPr>
+            <a:spLocks noGrp="1"/>
+          </p:cNvSpPr>
+          <p:nvPr>
+            <p:ph type="body" idx="1"/>
+          </p:nvPr>
+        </p:nvSpPr>
+        <p:spPr>
+          <a:xfrm>
+            <a:off x="705677" y="1405109"/>
+            <a:ext cx="7991436" cy="2383117"/>
+          </a:xfrm>
+        </p:spPr>
+        <p:txBody>
+          <a:bodyPr/>
+          <a:lstStyle/>
+          <a:p>
+            <a:pPr marL="152400" lvl="0" indent="0" algn="l">
+              <a:lnSpc>
+                <a:spcPct val="100000"/>
+              </a:lnSpc>
+              <a:buSzPts val="1200"/>
+              <a:buNone/>
+            </a:pPr>
+            <a:r>
+              <a:rPr lang="fr-FR" dirty="0" smtClean="0">
+                <a:solidFill>
+                  <a:schemeClr val="accent2"/>
+                </a:solidFill>
+              </a:rPr>
+              <a:t>Article de </a:t>
+            </a:r>
+            <a:r>
+              <a:rPr lang="fr-FR" dirty="0">
+                <a:solidFill>
+                  <a:schemeClr val="accent2"/>
+                </a:solidFill>
+              </a:rPr>
+              <a:t>blog : </a:t>
+            </a:r>
+            <a:r>
+              <a:rPr lang="fr-FR" dirty="0" err="1" smtClean="0">
+                <a:solidFill>
+                  <a:schemeClr val="accent2"/>
+                </a:solidFill>
+                <a:hlinkClick r:id="rId2"/>
+              </a:rPr>
+              <a:t>rlgmachinelearning.wordpress</a:t>
+            </a:r>
+            <a:endParaRPr lang="fr-FR" dirty="0" smtClean="0">
+              <a:solidFill>
+                <a:schemeClr val="accent2"/>
+              </a:solidFill>
+            </a:endParaRPr>
+          </a:p>
+          <a:p>
+            <a:pPr marL="152400" lvl="0" indent="0" algn="l">
+              <a:lnSpc>
+                <a:spcPct val="100000"/>
+              </a:lnSpc>
+              <a:buSzPts val="1200"/>
+              <a:buNone/>
+            </a:pPr>
+            <a:endParaRPr lang="fr-FR" dirty="0">
+              <a:solidFill>
+                <a:schemeClr val="accent2"/>
+              </a:solidFill>
+            </a:endParaRPr>
+          </a:p>
+          <a:p>
+            <a:pPr marL="152400" lvl="0" indent="0" algn="l">
+              <a:lnSpc>
+                <a:spcPct val="100000"/>
+              </a:lnSpc>
+              <a:buSzPts val="1200"/>
+              <a:buNone/>
+            </a:pPr>
+            <a:r>
+              <a:rPr lang="fr-FR" dirty="0" smtClean="0">
+                <a:solidFill>
+                  <a:schemeClr val="accent2"/>
+                </a:solidFill>
+              </a:rPr>
+              <a:t>GitHub </a:t>
+            </a:r>
+            <a:r>
+              <a:rPr lang="fr-FR" dirty="0">
+                <a:solidFill>
+                  <a:schemeClr val="accent2"/>
+                </a:solidFill>
+              </a:rPr>
+              <a:t>: </a:t>
+            </a:r>
+            <a:r>
+              <a:rPr lang="fr-FR" dirty="0">
+                <a:solidFill>
+                  <a:schemeClr val="accent2"/>
+                </a:solidFill>
+                <a:hlinkClick r:id="rId3"/>
+              </a:rPr>
+              <a:t>https://github.com/Deviluna29/oc_ingenieur-ia_p7</a:t>
+            </a:r>
+            <a:endParaRPr lang="fr-FR" dirty="0">
+              <a:solidFill>
+                <a:schemeClr val="accent2"/>
+              </a:solidFill>
+            </a:endParaRPr>
+          </a:p>
+        </p:txBody>
+      </p:sp>
+    </p:spTree>
+    <p:extLst>
+      <p:ext uri="{BB962C8B-B14F-4D97-AF65-F5344CB8AC3E}">
+        <p14:creationId xmlns:p14="http://schemas.microsoft.com/office/powerpoint/2010/main" val="3222047798"/>
+      </p:ext>
+    </p:extLst>
+  </p:cSld>
+  <p:clrMapOvr>
+    <a:masterClrMapping/>
+  </p:clrMapOvr>
+  <p:timing>
+    <p:tnLst>
+      <p:par>
+        <p:cTn id="1" dur="indefinite" restart="never" nodeType="tmRoot"/>
+      </p:par>
+    </p:tnLst>
+  </p:timing>
+</p:sld>
+</file>
+
+<file path=ppt/slides/slide3.xml><?xml version="1.0" encoding="utf-8"?>
 <p:sld xmlns:a="http://schemas.openxmlformats.org/drawingml/2006/main" xmlns:r="http://schemas.openxmlformats.org/officeDocument/2006/relationships" xmlns:p="http://schemas.openxmlformats.org/presentationml/2006/main">
   <p:cSld>
     <p:spTree>
@@ -17844,7 +18800,7 @@
     </p:spTree>
     <p:extLst>
       <p:ext uri="{BB962C8B-B14F-4D97-AF65-F5344CB8AC3E}">
-        <p14:creationId xmlns:p14="http://schemas.microsoft.com/office/powerpoint/2010/main" val="3222047798"/>
+        <p14:creationId xmlns:p14="http://schemas.microsoft.com/office/powerpoint/2010/main" val="2569382068"/>
       </p:ext>
     </p:extLst>
   </p:cSld>
@@ -17861,7 +18817,7 @@
 </p:sld>
 </file>
 
-<file path=ppt/slides/slide3.xml><?xml version="1.0" encoding="utf-8"?>
+<file path=ppt/slides/slide4.xml><?xml version="1.0" encoding="utf-8"?>
 <p:sld xmlns:a="http://schemas.openxmlformats.org/drawingml/2006/main" xmlns:r="http://schemas.openxmlformats.org/officeDocument/2006/relationships" xmlns:p="http://schemas.openxmlformats.org/presentationml/2006/main">
   <p:cSld>
     <p:spTree>
@@ -18651,7 +19607,7 @@
 </p:sld>
 </file>
 
-<file path=ppt/slides/slide4.xml><?xml version="1.0" encoding="utf-8"?>
+<file path=ppt/slides/slide5.xml><?xml version="1.0" encoding="utf-8"?>
 <p:sld xmlns:a="http://schemas.openxmlformats.org/drawingml/2006/main" xmlns:r="http://schemas.openxmlformats.org/officeDocument/2006/relationships" xmlns:p="http://schemas.openxmlformats.org/presentationml/2006/main">
   <p:cSld>
     <p:spTree>
@@ -19128,7 +20084,7 @@
 </p:sld>
 </file>
 
-<file path=ppt/slides/slide5.xml><?xml version="1.0" encoding="utf-8"?>
+<file path=ppt/slides/slide6.xml><?xml version="1.0" encoding="utf-8"?>
 <p:sld xmlns:a="http://schemas.openxmlformats.org/drawingml/2006/main" xmlns:r="http://schemas.openxmlformats.org/officeDocument/2006/relationships" xmlns:p="http://schemas.openxmlformats.org/presentationml/2006/main">
   <p:cSld>
     <p:spTree>
@@ -19900,7 +20856,7 @@
 </p:sld>
 </file>
 
-<file path=ppt/slides/slide6.xml><?xml version="1.0" encoding="utf-8"?>
+<file path=ppt/slides/slide7.xml><?xml version="1.0" encoding="utf-8"?>
 <p:sld xmlns:a="http://schemas.openxmlformats.org/drawingml/2006/main" xmlns:r="http://schemas.openxmlformats.org/officeDocument/2006/relationships" xmlns:p="http://schemas.openxmlformats.org/presentationml/2006/main">
   <p:cSld>
     <p:spTree>
@@ -20649,710 +21605,6 @@
 </p:sld>
 </file>
 
-<file path=ppt/slides/slide7.xml><?xml version="1.0" encoding="utf-8"?>
-<p:sld xmlns:a="http://schemas.openxmlformats.org/drawingml/2006/main" xmlns:r="http://schemas.openxmlformats.org/officeDocument/2006/relationships" xmlns:p="http://schemas.openxmlformats.org/presentationml/2006/main">
-  <p:cSld>
-    <p:spTree>
-      <p:nvGrpSpPr>
-        <p:cNvPr id="1" name=""/>
-        <p:cNvGrpSpPr/>
-        <p:nvPr/>
-      </p:nvGrpSpPr>
-      <p:grpSpPr>
-        <a:xfrm>
-          <a:off x="0" y="0"/>
-          <a:ext cx="0" cy="0"/>
-          <a:chOff x="0" y="0"/>
-          <a:chExt cx="0" cy="0"/>
-        </a:xfrm>
-      </p:grpSpPr>
-      <p:sp>
-        <p:nvSpPr>
-          <p:cNvPr id="7" name="Titre 2"/>
-          <p:cNvSpPr txBox="1">
-            <a:spLocks/>
-          </p:cNvSpPr>
-          <p:nvPr/>
-        </p:nvSpPr>
-        <p:spPr>
-          <a:xfrm>
-            <a:off x="406176" y="425851"/>
-            <a:ext cx="7653305" cy="577800"/>
-          </a:xfrm>
-          <a:prstGeom prst="rect">
-            <a:avLst/>
-          </a:prstGeom>
-          <a:noFill/>
-          <a:ln>
-            <a:noFill/>
-          </a:ln>
-        </p:spPr>
-        <p:txBody>
-          <a:bodyPr spcFirstLastPara="1" wrap="square" lIns="91425" tIns="91425" rIns="91425" bIns="91425" anchor="b" anchorCtr="0">
-            <a:noAutofit/>
-          </a:bodyPr>
-          <a:lstStyle>
-            <a:defPPr marR="0" lvl="0" algn="l" rtl="0">
-              <a:lnSpc>
-                <a:spcPct val="100000"/>
-              </a:lnSpc>
-              <a:spcBef>
-                <a:spcPts val="0"/>
-              </a:spcBef>
-              <a:spcAft>
-                <a:spcPts val="0"/>
-              </a:spcAft>
-            </a:defPPr>
-            <a:lvl1pPr marR="0" lvl="0" algn="l" rtl="0">
-              <a:lnSpc>
-                <a:spcPct val="100000"/>
-              </a:lnSpc>
-              <a:spcBef>
-                <a:spcPts val="0"/>
-              </a:spcBef>
-              <a:spcAft>
-                <a:spcPts val="0"/>
-              </a:spcAft>
-              <a:buClr>
-                <a:srgbClr val="000000"/>
-              </a:buClr>
-              <a:buSzPts val="3600"/>
-              <a:buFont typeface="Share Tech"/>
-              <a:buNone/>
-              <a:defRPr sz="3000" b="0" i="0" u="none" strike="noStrike" cap="none">
-                <a:solidFill>
-                  <a:schemeClr val="lt1"/>
-                </a:solidFill>
-                <a:latin typeface="Share Tech"/>
-                <a:ea typeface="Share Tech"/>
-                <a:cs typeface="Share Tech"/>
-                <a:sym typeface="Share Tech"/>
-              </a:defRPr>
-            </a:lvl1pPr>
-            <a:lvl2pPr marR="0" lvl="1" algn="ctr" rtl="0">
-              <a:lnSpc>
-                <a:spcPct val="100000"/>
-              </a:lnSpc>
-              <a:spcBef>
-                <a:spcPts val="0"/>
-              </a:spcBef>
-              <a:spcAft>
-                <a:spcPts val="0"/>
-              </a:spcAft>
-              <a:buClr>
-                <a:srgbClr val="D9D9D9"/>
-              </a:buClr>
-              <a:buSzPts val="1800"/>
-              <a:buFont typeface="Share Tech"/>
-              <a:buNone/>
-              <a:defRPr sz="1800" b="0" i="0" u="none" strike="noStrike" cap="none">
-                <a:solidFill>
-                  <a:srgbClr val="D9D9D9"/>
-                </a:solidFill>
-                <a:latin typeface="Share Tech"/>
-                <a:ea typeface="Share Tech"/>
-                <a:cs typeface="Share Tech"/>
-                <a:sym typeface="Share Tech"/>
-              </a:defRPr>
-            </a:lvl2pPr>
-            <a:lvl3pPr marR="0" lvl="2" algn="ctr" rtl="0">
-              <a:lnSpc>
-                <a:spcPct val="100000"/>
-              </a:lnSpc>
-              <a:spcBef>
-                <a:spcPts val="0"/>
-              </a:spcBef>
-              <a:spcAft>
-                <a:spcPts val="0"/>
-              </a:spcAft>
-              <a:buClr>
-                <a:srgbClr val="D9D9D9"/>
-              </a:buClr>
-              <a:buSzPts val="1800"/>
-              <a:buFont typeface="Share Tech"/>
-              <a:buNone/>
-              <a:defRPr sz="1800" b="0" i="0" u="none" strike="noStrike" cap="none">
-                <a:solidFill>
-                  <a:srgbClr val="D9D9D9"/>
-                </a:solidFill>
-                <a:latin typeface="Share Tech"/>
-                <a:ea typeface="Share Tech"/>
-                <a:cs typeface="Share Tech"/>
-                <a:sym typeface="Share Tech"/>
-              </a:defRPr>
-            </a:lvl3pPr>
-            <a:lvl4pPr marR="0" lvl="3" algn="ctr" rtl="0">
-              <a:lnSpc>
-                <a:spcPct val="100000"/>
-              </a:lnSpc>
-              <a:spcBef>
-                <a:spcPts val="0"/>
-              </a:spcBef>
-              <a:spcAft>
-                <a:spcPts val="0"/>
-              </a:spcAft>
-              <a:buClr>
-                <a:srgbClr val="D9D9D9"/>
-              </a:buClr>
-              <a:buSzPts val="1800"/>
-              <a:buFont typeface="Share Tech"/>
-              <a:buNone/>
-              <a:defRPr sz="1800" b="0" i="0" u="none" strike="noStrike" cap="none">
-                <a:solidFill>
-                  <a:srgbClr val="D9D9D9"/>
-                </a:solidFill>
-                <a:latin typeface="Share Tech"/>
-                <a:ea typeface="Share Tech"/>
-                <a:cs typeface="Share Tech"/>
-                <a:sym typeface="Share Tech"/>
-              </a:defRPr>
-            </a:lvl4pPr>
-            <a:lvl5pPr marR="0" lvl="4" algn="ctr" rtl="0">
-              <a:lnSpc>
-                <a:spcPct val="100000"/>
-              </a:lnSpc>
-              <a:spcBef>
-                <a:spcPts val="0"/>
-              </a:spcBef>
-              <a:spcAft>
-                <a:spcPts val="0"/>
-              </a:spcAft>
-              <a:buClr>
-                <a:srgbClr val="D9D9D9"/>
-              </a:buClr>
-              <a:buSzPts val="1800"/>
-              <a:buFont typeface="Share Tech"/>
-              <a:buNone/>
-              <a:defRPr sz="1800" b="0" i="0" u="none" strike="noStrike" cap="none">
-                <a:solidFill>
-                  <a:srgbClr val="D9D9D9"/>
-                </a:solidFill>
-                <a:latin typeface="Share Tech"/>
-                <a:ea typeface="Share Tech"/>
-                <a:cs typeface="Share Tech"/>
-                <a:sym typeface="Share Tech"/>
-              </a:defRPr>
-            </a:lvl5pPr>
-            <a:lvl6pPr marR="0" lvl="5" algn="ctr" rtl="0">
-              <a:lnSpc>
-                <a:spcPct val="100000"/>
-              </a:lnSpc>
-              <a:spcBef>
-                <a:spcPts val="0"/>
-              </a:spcBef>
-              <a:spcAft>
-                <a:spcPts val="0"/>
-              </a:spcAft>
-              <a:buClr>
-                <a:srgbClr val="D9D9D9"/>
-              </a:buClr>
-              <a:buSzPts val="1800"/>
-              <a:buFont typeface="Share Tech"/>
-              <a:buNone/>
-              <a:defRPr sz="1800" b="0" i="0" u="none" strike="noStrike" cap="none">
-                <a:solidFill>
-                  <a:srgbClr val="D9D9D9"/>
-                </a:solidFill>
-                <a:latin typeface="Share Tech"/>
-                <a:ea typeface="Share Tech"/>
-                <a:cs typeface="Share Tech"/>
-                <a:sym typeface="Share Tech"/>
-              </a:defRPr>
-            </a:lvl6pPr>
-            <a:lvl7pPr marR="0" lvl="6" algn="ctr" rtl="0">
-              <a:lnSpc>
-                <a:spcPct val="100000"/>
-              </a:lnSpc>
-              <a:spcBef>
-                <a:spcPts val="0"/>
-              </a:spcBef>
-              <a:spcAft>
-                <a:spcPts val="0"/>
-              </a:spcAft>
-              <a:buClr>
-                <a:srgbClr val="D9D9D9"/>
-              </a:buClr>
-              <a:buSzPts val="1800"/>
-              <a:buFont typeface="Share Tech"/>
-              <a:buNone/>
-              <a:defRPr sz="1800" b="0" i="0" u="none" strike="noStrike" cap="none">
-                <a:solidFill>
-                  <a:srgbClr val="D9D9D9"/>
-                </a:solidFill>
-                <a:latin typeface="Share Tech"/>
-                <a:ea typeface="Share Tech"/>
-                <a:cs typeface="Share Tech"/>
-                <a:sym typeface="Share Tech"/>
-              </a:defRPr>
-            </a:lvl7pPr>
-            <a:lvl8pPr marR="0" lvl="7" algn="ctr" rtl="0">
-              <a:lnSpc>
-                <a:spcPct val="100000"/>
-              </a:lnSpc>
-              <a:spcBef>
-                <a:spcPts val="0"/>
-              </a:spcBef>
-              <a:spcAft>
-                <a:spcPts val="0"/>
-              </a:spcAft>
-              <a:buClr>
-                <a:srgbClr val="D9D9D9"/>
-              </a:buClr>
-              <a:buSzPts val="1800"/>
-              <a:buFont typeface="Share Tech"/>
-              <a:buNone/>
-              <a:defRPr sz="1800" b="0" i="0" u="none" strike="noStrike" cap="none">
-                <a:solidFill>
-                  <a:srgbClr val="D9D9D9"/>
-                </a:solidFill>
-                <a:latin typeface="Share Tech"/>
-                <a:ea typeface="Share Tech"/>
-                <a:cs typeface="Share Tech"/>
-                <a:sym typeface="Share Tech"/>
-              </a:defRPr>
-            </a:lvl8pPr>
-            <a:lvl9pPr marR="0" lvl="8" algn="ctr" rtl="0">
-              <a:lnSpc>
-                <a:spcPct val="100000"/>
-              </a:lnSpc>
-              <a:spcBef>
-                <a:spcPts val="0"/>
-              </a:spcBef>
-              <a:spcAft>
-                <a:spcPts val="0"/>
-              </a:spcAft>
-              <a:buClr>
-                <a:srgbClr val="D9D9D9"/>
-              </a:buClr>
-              <a:buSzPts val="1800"/>
-              <a:buFont typeface="Share Tech"/>
-              <a:buNone/>
-              <a:defRPr sz="1800" b="0" i="0" u="none" strike="noStrike" cap="none">
-                <a:solidFill>
-                  <a:srgbClr val="D9D9D9"/>
-                </a:solidFill>
-                <a:latin typeface="Share Tech"/>
-                <a:ea typeface="Share Tech"/>
-                <a:cs typeface="Share Tech"/>
-                <a:sym typeface="Share Tech"/>
-              </a:defRPr>
-            </a:lvl9pPr>
-          </a:lstStyle>
-          <a:p>
-            <a:r>
-              <a:rPr lang="fr-FR" dirty="0" smtClean="0">
-                <a:solidFill>
-                  <a:schemeClr val="accent2"/>
-                </a:solidFill>
-              </a:rPr>
-              <a:t>Approche </a:t>
-            </a:r>
-            <a:r>
-              <a:rPr lang="fr-FR" dirty="0" smtClean="0">
-                <a:solidFill>
-                  <a:schemeClr val="accent2"/>
-                </a:solidFill>
-              </a:rPr>
-              <a:t>modèle sur mesure simple</a:t>
-            </a:r>
-            <a:endParaRPr lang="fr-FR" dirty="0">
-              <a:solidFill>
-                <a:schemeClr val="accent2"/>
-              </a:solidFill>
-            </a:endParaRPr>
-          </a:p>
-        </p:txBody>
-      </p:sp>
-      <p:sp>
-        <p:nvSpPr>
-          <p:cNvPr id="6" name="Espace réservé du texte 1"/>
-          <p:cNvSpPr txBox="1">
-            <a:spLocks/>
-          </p:cNvSpPr>
-          <p:nvPr/>
-        </p:nvSpPr>
-        <p:spPr>
-          <a:xfrm>
-            <a:off x="495371" y="1004962"/>
-            <a:ext cx="6708993" cy="3553287"/>
-          </a:xfrm>
-          <a:prstGeom prst="rect">
-            <a:avLst/>
-          </a:prstGeom>
-          <a:noFill/>
-          <a:ln>
-            <a:noFill/>
-          </a:ln>
-        </p:spPr>
-        <p:txBody>
-          <a:bodyPr spcFirstLastPara="1" wrap="square" lIns="91425" tIns="91425" rIns="91425" bIns="91425" anchor="t" anchorCtr="0">
-            <a:noAutofit/>
-          </a:bodyPr>
-          <a:lstStyle>
-            <a:defPPr marR="0" lvl="0" algn="l" rtl="0">
-              <a:lnSpc>
-                <a:spcPct val="100000"/>
-              </a:lnSpc>
-              <a:spcBef>
-                <a:spcPts val="0"/>
-              </a:spcBef>
-              <a:spcAft>
-                <a:spcPts val="0"/>
-              </a:spcAft>
-            </a:defPPr>
-            <a:lvl1pPr marL="457200" marR="0" lvl="0" indent="-342900" algn="l" rtl="0">
-              <a:lnSpc>
-                <a:spcPct val="100000"/>
-              </a:lnSpc>
-              <a:spcBef>
-                <a:spcPts val="0"/>
-              </a:spcBef>
-              <a:spcAft>
-                <a:spcPts val="0"/>
-              </a:spcAft>
-              <a:buClr>
-                <a:schemeClr val="lt1"/>
-              </a:buClr>
-              <a:buSzPts val="1800"/>
-              <a:buFont typeface="Maven Pro"/>
-              <a:buChar char="●"/>
-              <a:defRPr sz="1800" b="0" i="0" u="none" strike="noStrike" cap="none">
-                <a:solidFill>
-                  <a:schemeClr val="lt1"/>
-                </a:solidFill>
-                <a:latin typeface="Maven Pro"/>
-                <a:ea typeface="Maven Pro"/>
-                <a:cs typeface="Maven Pro"/>
-                <a:sym typeface="Maven Pro"/>
-              </a:defRPr>
-            </a:lvl1pPr>
-            <a:lvl2pPr marL="914400" marR="0" lvl="1" indent="-317500" algn="l" rtl="0">
-              <a:lnSpc>
-                <a:spcPct val="115000"/>
-              </a:lnSpc>
-              <a:spcBef>
-                <a:spcPts val="0"/>
-              </a:spcBef>
-              <a:spcAft>
-                <a:spcPts val="0"/>
-              </a:spcAft>
-              <a:buClr>
-                <a:schemeClr val="lt1"/>
-              </a:buClr>
-              <a:buSzPts val="1400"/>
-              <a:buFont typeface="Maven Pro"/>
-              <a:buChar char="○"/>
-              <a:defRPr sz="1400" b="0" i="0" u="none" strike="noStrike" cap="none">
-                <a:solidFill>
-                  <a:schemeClr val="lt1"/>
-                </a:solidFill>
-                <a:latin typeface="Maven Pro"/>
-                <a:ea typeface="Maven Pro"/>
-                <a:cs typeface="Maven Pro"/>
-                <a:sym typeface="Maven Pro"/>
-              </a:defRPr>
-            </a:lvl2pPr>
-            <a:lvl3pPr marL="1371600" marR="0" lvl="2" indent="-317500" algn="l" rtl="0">
-              <a:lnSpc>
-                <a:spcPct val="115000"/>
-              </a:lnSpc>
-              <a:spcBef>
-                <a:spcPts val="1600"/>
-              </a:spcBef>
-              <a:spcAft>
-                <a:spcPts val="0"/>
-              </a:spcAft>
-              <a:buClr>
-                <a:schemeClr val="lt1"/>
-              </a:buClr>
-              <a:buSzPts val="1400"/>
-              <a:buFont typeface="Maven Pro"/>
-              <a:buChar char="■"/>
-              <a:defRPr sz="1400" b="0" i="0" u="none" strike="noStrike" cap="none">
-                <a:solidFill>
-                  <a:schemeClr val="lt1"/>
-                </a:solidFill>
-                <a:latin typeface="Maven Pro"/>
-                <a:ea typeface="Maven Pro"/>
-                <a:cs typeface="Maven Pro"/>
-                <a:sym typeface="Maven Pro"/>
-              </a:defRPr>
-            </a:lvl3pPr>
-            <a:lvl4pPr marL="1828800" marR="0" lvl="3" indent="-317500" algn="l" rtl="0">
-              <a:lnSpc>
-                <a:spcPct val="115000"/>
-              </a:lnSpc>
-              <a:spcBef>
-                <a:spcPts val="1600"/>
-              </a:spcBef>
-              <a:spcAft>
-                <a:spcPts val="0"/>
-              </a:spcAft>
-              <a:buClr>
-                <a:schemeClr val="lt1"/>
-              </a:buClr>
-              <a:buSzPts val="1400"/>
-              <a:buFont typeface="Maven Pro"/>
-              <a:buChar char="●"/>
-              <a:defRPr sz="1400" b="0" i="0" u="none" strike="noStrike" cap="none">
-                <a:solidFill>
-                  <a:schemeClr val="lt1"/>
-                </a:solidFill>
-                <a:latin typeface="Maven Pro"/>
-                <a:ea typeface="Maven Pro"/>
-                <a:cs typeface="Maven Pro"/>
-                <a:sym typeface="Maven Pro"/>
-              </a:defRPr>
-            </a:lvl4pPr>
-            <a:lvl5pPr marL="2286000" marR="0" lvl="4" indent="-317500" algn="l" rtl="0">
-              <a:lnSpc>
-                <a:spcPct val="115000"/>
-              </a:lnSpc>
-              <a:spcBef>
-                <a:spcPts val="1600"/>
-              </a:spcBef>
-              <a:spcAft>
-                <a:spcPts val="0"/>
-              </a:spcAft>
-              <a:buClr>
-                <a:schemeClr val="lt1"/>
-              </a:buClr>
-              <a:buSzPts val="1400"/>
-              <a:buFont typeface="Maven Pro"/>
-              <a:buChar char="○"/>
-              <a:defRPr sz="1400" b="0" i="0" u="none" strike="noStrike" cap="none">
-                <a:solidFill>
-                  <a:schemeClr val="lt1"/>
-                </a:solidFill>
-                <a:latin typeface="Maven Pro"/>
-                <a:ea typeface="Maven Pro"/>
-                <a:cs typeface="Maven Pro"/>
-                <a:sym typeface="Maven Pro"/>
-              </a:defRPr>
-            </a:lvl5pPr>
-            <a:lvl6pPr marL="2743200" marR="0" lvl="5" indent="-317500" algn="l" rtl="0">
-              <a:lnSpc>
-                <a:spcPct val="115000"/>
-              </a:lnSpc>
-              <a:spcBef>
-                <a:spcPts val="1600"/>
-              </a:spcBef>
-              <a:spcAft>
-                <a:spcPts val="0"/>
-              </a:spcAft>
-              <a:buClr>
-                <a:schemeClr val="lt1"/>
-              </a:buClr>
-              <a:buSzPts val="1400"/>
-              <a:buFont typeface="Maven Pro"/>
-              <a:buChar char="■"/>
-              <a:defRPr sz="1400" b="0" i="0" u="none" strike="noStrike" cap="none">
-                <a:solidFill>
-                  <a:schemeClr val="lt1"/>
-                </a:solidFill>
-                <a:latin typeface="Maven Pro"/>
-                <a:ea typeface="Maven Pro"/>
-                <a:cs typeface="Maven Pro"/>
-                <a:sym typeface="Maven Pro"/>
-              </a:defRPr>
-            </a:lvl6pPr>
-            <a:lvl7pPr marL="3200400" marR="0" lvl="6" indent="-317500" algn="l" rtl="0">
-              <a:lnSpc>
-                <a:spcPct val="115000"/>
-              </a:lnSpc>
-              <a:spcBef>
-                <a:spcPts val="1600"/>
-              </a:spcBef>
-              <a:spcAft>
-                <a:spcPts val="0"/>
-              </a:spcAft>
-              <a:buClr>
-                <a:schemeClr val="lt1"/>
-              </a:buClr>
-              <a:buSzPts val="1400"/>
-              <a:buFont typeface="Maven Pro"/>
-              <a:buChar char="●"/>
-              <a:defRPr sz="1400" b="0" i="0" u="none" strike="noStrike" cap="none">
-                <a:solidFill>
-                  <a:schemeClr val="lt1"/>
-                </a:solidFill>
-                <a:latin typeface="Maven Pro"/>
-                <a:ea typeface="Maven Pro"/>
-                <a:cs typeface="Maven Pro"/>
-                <a:sym typeface="Maven Pro"/>
-              </a:defRPr>
-            </a:lvl7pPr>
-            <a:lvl8pPr marL="3657600" marR="0" lvl="7" indent="-317500" algn="l" rtl="0">
-              <a:lnSpc>
-                <a:spcPct val="115000"/>
-              </a:lnSpc>
-              <a:spcBef>
-                <a:spcPts val="1600"/>
-              </a:spcBef>
-              <a:spcAft>
-                <a:spcPts val="0"/>
-              </a:spcAft>
-              <a:buClr>
-                <a:schemeClr val="lt1"/>
-              </a:buClr>
-              <a:buSzPts val="1400"/>
-              <a:buFont typeface="Maven Pro"/>
-              <a:buChar char="○"/>
-              <a:defRPr sz="1400" b="0" i="0" u="none" strike="noStrike" cap="none">
-                <a:solidFill>
-                  <a:schemeClr val="lt1"/>
-                </a:solidFill>
-                <a:latin typeface="Maven Pro"/>
-                <a:ea typeface="Maven Pro"/>
-                <a:cs typeface="Maven Pro"/>
-                <a:sym typeface="Maven Pro"/>
-              </a:defRPr>
-            </a:lvl8pPr>
-            <a:lvl9pPr marL="4114800" marR="0" lvl="8" indent="-317500" algn="l" rtl="0">
-              <a:lnSpc>
-                <a:spcPct val="115000"/>
-              </a:lnSpc>
-              <a:spcBef>
-                <a:spcPts val="1600"/>
-              </a:spcBef>
-              <a:spcAft>
-                <a:spcPts val="1600"/>
-              </a:spcAft>
-              <a:buClr>
-                <a:schemeClr val="lt1"/>
-              </a:buClr>
-              <a:buSzPts val="1400"/>
-              <a:buFont typeface="Maven Pro"/>
-              <a:buChar char="■"/>
-              <a:defRPr sz="1400" b="0" i="0" u="none" strike="noStrike" cap="none">
-                <a:solidFill>
-                  <a:schemeClr val="lt1"/>
-                </a:solidFill>
-                <a:latin typeface="Maven Pro"/>
-                <a:ea typeface="Maven Pro"/>
-                <a:cs typeface="Maven Pro"/>
-                <a:sym typeface="Maven Pro"/>
-              </a:defRPr>
-            </a:lvl9pPr>
-          </a:lstStyle>
-          <a:p>
-            <a:pPr marL="114300" indent="0">
-              <a:buNone/>
-            </a:pPr>
-            <a:r>
-              <a:rPr lang="fr-FR" sz="1200" dirty="0"/>
-              <a:t>On va utiliser le </a:t>
-            </a:r>
-            <a:r>
-              <a:rPr lang="fr-FR" sz="1200" b="1" dirty="0">
-                <a:solidFill>
-                  <a:schemeClr val="accent3">
-                    <a:lumMod val="75000"/>
-                  </a:schemeClr>
-                </a:solidFill>
-              </a:rPr>
-              <a:t>Concepteur / Designer d’un service Azure Machine Learning </a:t>
-            </a:r>
-            <a:r>
-              <a:rPr lang="fr-FR" sz="1200" dirty="0"/>
-              <a:t>(interface graphique drag &amp; drop) pour développer rapidement un modèle classique (ex : régression logistique) permettant de prédire le sentiment associé à un tweet</a:t>
-            </a:r>
-            <a:r>
-              <a:rPr lang="fr-FR" sz="1200" dirty="0" smtClean="0"/>
-              <a:t>.</a:t>
-            </a:r>
-          </a:p>
-          <a:p>
-            <a:pPr marL="114300" indent="0">
-              <a:buNone/>
-            </a:pPr>
-            <a:endParaRPr lang="fr-FR" sz="1100" dirty="0" smtClean="0">
-              <a:solidFill>
-                <a:schemeClr val="accent3">
-                  <a:lumMod val="75000"/>
-                </a:schemeClr>
-              </a:solidFill>
-            </a:endParaRPr>
-          </a:p>
-          <a:p>
-            <a:pPr marL="114300" indent="0">
-              <a:buNone/>
-            </a:pPr>
-            <a:endParaRPr lang="fr-FR" sz="1100" dirty="0" smtClean="0">
-              <a:solidFill>
-                <a:schemeClr val="accent3">
-                  <a:lumMod val="75000"/>
-                </a:schemeClr>
-              </a:solidFill>
-            </a:endParaRPr>
-          </a:p>
-          <a:p>
-            <a:r>
-              <a:rPr lang="fr-FR" sz="1050" dirty="0"/>
-              <a:t>Après avoir créé le </a:t>
-            </a:r>
-            <a:r>
-              <a:rPr lang="fr-FR" sz="1050" dirty="0" err="1"/>
-              <a:t>Workspace</a:t>
-            </a:r>
-            <a:r>
-              <a:rPr lang="fr-FR" sz="1050" dirty="0"/>
-              <a:t> sur Azure Machine Learning, on peut commencer à utiliser le service en créant une nouvelle expérience. Il suffit ensuite de </a:t>
-            </a:r>
-            <a:r>
-              <a:rPr lang="fr-FR" sz="1050" dirty="0">
-                <a:solidFill>
-                  <a:schemeClr val="accent3">
-                    <a:lumMod val="75000"/>
-                  </a:schemeClr>
-                </a:solidFill>
-              </a:rPr>
-              <a:t>déplacer les modules </a:t>
-            </a:r>
-            <a:r>
-              <a:rPr lang="fr-FR" sz="1050" dirty="0"/>
-              <a:t>que l’on souhaite utiliser dans notre </a:t>
-            </a:r>
-            <a:r>
-              <a:rPr lang="fr-FR" sz="1050" dirty="0" smtClean="0">
-                <a:solidFill>
-                  <a:schemeClr val="accent3">
-                    <a:lumMod val="75000"/>
-                  </a:schemeClr>
-                </a:solidFill>
-              </a:rPr>
-              <a:t>pipeline</a:t>
-            </a:r>
-            <a:endParaRPr lang="fr-FR" sz="1100" dirty="0" smtClean="0">
-              <a:solidFill>
-                <a:schemeClr val="accent3">
-                  <a:lumMod val="75000"/>
-                </a:schemeClr>
-              </a:solidFill>
-            </a:endParaRPr>
-          </a:p>
-        </p:txBody>
-      </p:sp>
-    </p:spTree>
-    <p:extLst>
-      <p:ext uri="{BB962C8B-B14F-4D97-AF65-F5344CB8AC3E}">
-        <p14:creationId xmlns:p14="http://schemas.microsoft.com/office/powerpoint/2010/main" val="1893282735"/>
-      </p:ext>
-    </p:extLst>
-  </p:cSld>
-  <p:clrMapOvr>
-    <a:masterClrMapping/>
-  </p:clrMapOvr>
-  <p:timing>
-    <p:tnLst>
-      <p:par>
-        <p:cTn id="1" dur="indefinite" restart="never" nodeType="tmRoot"/>
-      </p:par>
-    </p:tnLst>
-  </p:timing>
-</p:sld>
-</file>
-
 <file path=ppt/slides/slide8.xml><?xml version="1.0" encoding="utf-8"?>
 <p:sld xmlns:a="http://schemas.openxmlformats.org/drawingml/2006/main" xmlns:r="http://schemas.openxmlformats.org/officeDocument/2006/relationships" xmlns:p="http://schemas.openxmlformats.org/presentationml/2006/main">
   <p:cSld>
@@ -21649,15 +21901,703 @@
                   <a:schemeClr val="accent2"/>
                 </a:solidFill>
               </a:rPr>
-              <a:t>Approche </a:t>
-            </a:r>
+              <a:t>Approche modèle sur mesure simple</a:t>
+            </a:r>
+            <a:endParaRPr lang="fr-FR" dirty="0">
+              <a:solidFill>
+                <a:schemeClr val="accent2"/>
+              </a:solidFill>
+            </a:endParaRPr>
+          </a:p>
+        </p:txBody>
+      </p:sp>
+      <p:sp>
+        <p:nvSpPr>
+          <p:cNvPr id="6" name="Espace réservé du texte 1"/>
+          <p:cNvSpPr txBox="1">
+            <a:spLocks/>
+          </p:cNvSpPr>
+          <p:nvPr/>
+        </p:nvSpPr>
+        <p:spPr>
+          <a:xfrm>
+            <a:off x="495371" y="1004962"/>
+            <a:ext cx="6708993" cy="3553287"/>
+          </a:xfrm>
+          <a:prstGeom prst="rect">
+            <a:avLst/>
+          </a:prstGeom>
+          <a:noFill/>
+          <a:ln>
+            <a:noFill/>
+          </a:ln>
+        </p:spPr>
+        <p:txBody>
+          <a:bodyPr spcFirstLastPara="1" wrap="square" lIns="91425" tIns="91425" rIns="91425" bIns="91425" anchor="t" anchorCtr="0">
+            <a:noAutofit/>
+          </a:bodyPr>
+          <a:lstStyle>
+            <a:defPPr marR="0" lvl="0" algn="l" rtl="0">
+              <a:lnSpc>
+                <a:spcPct val="100000"/>
+              </a:lnSpc>
+              <a:spcBef>
+                <a:spcPts val="0"/>
+              </a:spcBef>
+              <a:spcAft>
+                <a:spcPts val="0"/>
+              </a:spcAft>
+            </a:defPPr>
+            <a:lvl1pPr marL="457200" marR="0" lvl="0" indent="-342900" algn="l" rtl="0">
+              <a:lnSpc>
+                <a:spcPct val="100000"/>
+              </a:lnSpc>
+              <a:spcBef>
+                <a:spcPts val="0"/>
+              </a:spcBef>
+              <a:spcAft>
+                <a:spcPts val="0"/>
+              </a:spcAft>
+              <a:buClr>
+                <a:schemeClr val="lt1"/>
+              </a:buClr>
+              <a:buSzPts val="1800"/>
+              <a:buFont typeface="Maven Pro"/>
+              <a:buChar char="●"/>
+              <a:defRPr sz="1800" b="0" i="0" u="none" strike="noStrike" cap="none">
+                <a:solidFill>
+                  <a:schemeClr val="lt1"/>
+                </a:solidFill>
+                <a:latin typeface="Maven Pro"/>
+                <a:ea typeface="Maven Pro"/>
+                <a:cs typeface="Maven Pro"/>
+                <a:sym typeface="Maven Pro"/>
+              </a:defRPr>
+            </a:lvl1pPr>
+            <a:lvl2pPr marL="914400" marR="0" lvl="1" indent="-317500" algn="l" rtl="0">
+              <a:lnSpc>
+                <a:spcPct val="115000"/>
+              </a:lnSpc>
+              <a:spcBef>
+                <a:spcPts val="0"/>
+              </a:spcBef>
+              <a:spcAft>
+                <a:spcPts val="0"/>
+              </a:spcAft>
+              <a:buClr>
+                <a:schemeClr val="lt1"/>
+              </a:buClr>
+              <a:buSzPts val="1400"/>
+              <a:buFont typeface="Maven Pro"/>
+              <a:buChar char="○"/>
+              <a:defRPr sz="1400" b="0" i="0" u="none" strike="noStrike" cap="none">
+                <a:solidFill>
+                  <a:schemeClr val="lt1"/>
+                </a:solidFill>
+                <a:latin typeface="Maven Pro"/>
+                <a:ea typeface="Maven Pro"/>
+                <a:cs typeface="Maven Pro"/>
+                <a:sym typeface="Maven Pro"/>
+              </a:defRPr>
+            </a:lvl2pPr>
+            <a:lvl3pPr marL="1371600" marR="0" lvl="2" indent="-317500" algn="l" rtl="0">
+              <a:lnSpc>
+                <a:spcPct val="115000"/>
+              </a:lnSpc>
+              <a:spcBef>
+                <a:spcPts val="1600"/>
+              </a:spcBef>
+              <a:spcAft>
+                <a:spcPts val="0"/>
+              </a:spcAft>
+              <a:buClr>
+                <a:schemeClr val="lt1"/>
+              </a:buClr>
+              <a:buSzPts val="1400"/>
+              <a:buFont typeface="Maven Pro"/>
+              <a:buChar char="■"/>
+              <a:defRPr sz="1400" b="0" i="0" u="none" strike="noStrike" cap="none">
+                <a:solidFill>
+                  <a:schemeClr val="lt1"/>
+                </a:solidFill>
+                <a:latin typeface="Maven Pro"/>
+                <a:ea typeface="Maven Pro"/>
+                <a:cs typeface="Maven Pro"/>
+                <a:sym typeface="Maven Pro"/>
+              </a:defRPr>
+            </a:lvl3pPr>
+            <a:lvl4pPr marL="1828800" marR="0" lvl="3" indent="-317500" algn="l" rtl="0">
+              <a:lnSpc>
+                <a:spcPct val="115000"/>
+              </a:lnSpc>
+              <a:spcBef>
+                <a:spcPts val="1600"/>
+              </a:spcBef>
+              <a:spcAft>
+                <a:spcPts val="0"/>
+              </a:spcAft>
+              <a:buClr>
+                <a:schemeClr val="lt1"/>
+              </a:buClr>
+              <a:buSzPts val="1400"/>
+              <a:buFont typeface="Maven Pro"/>
+              <a:buChar char="●"/>
+              <a:defRPr sz="1400" b="0" i="0" u="none" strike="noStrike" cap="none">
+                <a:solidFill>
+                  <a:schemeClr val="lt1"/>
+                </a:solidFill>
+                <a:latin typeface="Maven Pro"/>
+                <a:ea typeface="Maven Pro"/>
+                <a:cs typeface="Maven Pro"/>
+                <a:sym typeface="Maven Pro"/>
+              </a:defRPr>
+            </a:lvl4pPr>
+            <a:lvl5pPr marL="2286000" marR="0" lvl="4" indent="-317500" algn="l" rtl="0">
+              <a:lnSpc>
+                <a:spcPct val="115000"/>
+              </a:lnSpc>
+              <a:spcBef>
+                <a:spcPts val="1600"/>
+              </a:spcBef>
+              <a:spcAft>
+                <a:spcPts val="0"/>
+              </a:spcAft>
+              <a:buClr>
+                <a:schemeClr val="lt1"/>
+              </a:buClr>
+              <a:buSzPts val="1400"/>
+              <a:buFont typeface="Maven Pro"/>
+              <a:buChar char="○"/>
+              <a:defRPr sz="1400" b="0" i="0" u="none" strike="noStrike" cap="none">
+                <a:solidFill>
+                  <a:schemeClr val="lt1"/>
+                </a:solidFill>
+                <a:latin typeface="Maven Pro"/>
+                <a:ea typeface="Maven Pro"/>
+                <a:cs typeface="Maven Pro"/>
+                <a:sym typeface="Maven Pro"/>
+              </a:defRPr>
+            </a:lvl5pPr>
+            <a:lvl6pPr marL="2743200" marR="0" lvl="5" indent="-317500" algn="l" rtl="0">
+              <a:lnSpc>
+                <a:spcPct val="115000"/>
+              </a:lnSpc>
+              <a:spcBef>
+                <a:spcPts val="1600"/>
+              </a:spcBef>
+              <a:spcAft>
+                <a:spcPts val="0"/>
+              </a:spcAft>
+              <a:buClr>
+                <a:schemeClr val="lt1"/>
+              </a:buClr>
+              <a:buSzPts val="1400"/>
+              <a:buFont typeface="Maven Pro"/>
+              <a:buChar char="■"/>
+              <a:defRPr sz="1400" b="0" i="0" u="none" strike="noStrike" cap="none">
+                <a:solidFill>
+                  <a:schemeClr val="lt1"/>
+                </a:solidFill>
+                <a:latin typeface="Maven Pro"/>
+                <a:ea typeface="Maven Pro"/>
+                <a:cs typeface="Maven Pro"/>
+                <a:sym typeface="Maven Pro"/>
+              </a:defRPr>
+            </a:lvl6pPr>
+            <a:lvl7pPr marL="3200400" marR="0" lvl="6" indent="-317500" algn="l" rtl="0">
+              <a:lnSpc>
+                <a:spcPct val="115000"/>
+              </a:lnSpc>
+              <a:spcBef>
+                <a:spcPts val="1600"/>
+              </a:spcBef>
+              <a:spcAft>
+                <a:spcPts val="0"/>
+              </a:spcAft>
+              <a:buClr>
+                <a:schemeClr val="lt1"/>
+              </a:buClr>
+              <a:buSzPts val="1400"/>
+              <a:buFont typeface="Maven Pro"/>
+              <a:buChar char="●"/>
+              <a:defRPr sz="1400" b="0" i="0" u="none" strike="noStrike" cap="none">
+                <a:solidFill>
+                  <a:schemeClr val="lt1"/>
+                </a:solidFill>
+                <a:latin typeface="Maven Pro"/>
+                <a:ea typeface="Maven Pro"/>
+                <a:cs typeface="Maven Pro"/>
+                <a:sym typeface="Maven Pro"/>
+              </a:defRPr>
+            </a:lvl7pPr>
+            <a:lvl8pPr marL="3657600" marR="0" lvl="7" indent="-317500" algn="l" rtl="0">
+              <a:lnSpc>
+                <a:spcPct val="115000"/>
+              </a:lnSpc>
+              <a:spcBef>
+                <a:spcPts val="1600"/>
+              </a:spcBef>
+              <a:spcAft>
+                <a:spcPts val="0"/>
+              </a:spcAft>
+              <a:buClr>
+                <a:schemeClr val="lt1"/>
+              </a:buClr>
+              <a:buSzPts val="1400"/>
+              <a:buFont typeface="Maven Pro"/>
+              <a:buChar char="○"/>
+              <a:defRPr sz="1400" b="0" i="0" u="none" strike="noStrike" cap="none">
+                <a:solidFill>
+                  <a:schemeClr val="lt1"/>
+                </a:solidFill>
+                <a:latin typeface="Maven Pro"/>
+                <a:ea typeface="Maven Pro"/>
+                <a:cs typeface="Maven Pro"/>
+                <a:sym typeface="Maven Pro"/>
+              </a:defRPr>
+            </a:lvl8pPr>
+            <a:lvl9pPr marL="4114800" marR="0" lvl="8" indent="-317500" algn="l" rtl="0">
+              <a:lnSpc>
+                <a:spcPct val="115000"/>
+              </a:lnSpc>
+              <a:spcBef>
+                <a:spcPts val="1600"/>
+              </a:spcBef>
+              <a:spcAft>
+                <a:spcPts val="1600"/>
+              </a:spcAft>
+              <a:buClr>
+                <a:schemeClr val="lt1"/>
+              </a:buClr>
+              <a:buSzPts val="1400"/>
+              <a:buFont typeface="Maven Pro"/>
+              <a:buChar char="■"/>
+              <a:defRPr sz="1400" b="0" i="0" u="none" strike="noStrike" cap="none">
+                <a:solidFill>
+                  <a:schemeClr val="lt1"/>
+                </a:solidFill>
+                <a:latin typeface="Maven Pro"/>
+                <a:ea typeface="Maven Pro"/>
+                <a:cs typeface="Maven Pro"/>
+                <a:sym typeface="Maven Pro"/>
+              </a:defRPr>
+            </a:lvl9pPr>
+          </a:lstStyle>
+          <a:p>
+            <a:pPr marL="114300" indent="0">
+              <a:buNone/>
+            </a:pPr>
+            <a:r>
+              <a:rPr lang="fr-FR" sz="1200" dirty="0"/>
+              <a:t>On va utiliser le </a:t>
+            </a:r>
+            <a:r>
+              <a:rPr lang="fr-FR" sz="1200" b="1" dirty="0">
+                <a:solidFill>
+                  <a:schemeClr val="accent3">
+                    <a:lumMod val="75000"/>
+                  </a:schemeClr>
+                </a:solidFill>
+              </a:rPr>
+              <a:t>Concepteur / Designer d’un service Azure Machine Learning </a:t>
+            </a:r>
+            <a:r>
+              <a:rPr lang="fr-FR" sz="1200" dirty="0"/>
+              <a:t>(interface graphique drag &amp; drop) pour développer rapidement un modèle classique (ex : régression logistique) permettant de prédire le sentiment associé à un tweet</a:t>
+            </a:r>
+            <a:r>
+              <a:rPr lang="fr-FR" sz="1200" dirty="0" smtClean="0"/>
+              <a:t>.</a:t>
+            </a:r>
+          </a:p>
+          <a:p>
+            <a:pPr marL="114300" indent="0">
+              <a:buNone/>
+            </a:pPr>
+            <a:endParaRPr lang="fr-FR" sz="1100" dirty="0" smtClean="0">
+              <a:solidFill>
+                <a:schemeClr val="accent3">
+                  <a:lumMod val="75000"/>
+                </a:schemeClr>
+              </a:solidFill>
+            </a:endParaRPr>
+          </a:p>
+          <a:p>
+            <a:pPr marL="114300" indent="0">
+              <a:buNone/>
+            </a:pPr>
+            <a:endParaRPr lang="fr-FR" sz="1100" dirty="0" smtClean="0">
+              <a:solidFill>
+                <a:schemeClr val="accent3">
+                  <a:lumMod val="75000"/>
+                </a:schemeClr>
+              </a:solidFill>
+            </a:endParaRPr>
+          </a:p>
+          <a:p>
+            <a:r>
+              <a:rPr lang="fr-FR" sz="1050" dirty="0"/>
+              <a:t>Après avoir créé le </a:t>
+            </a:r>
+            <a:r>
+              <a:rPr lang="fr-FR" sz="1050" dirty="0" err="1"/>
+              <a:t>Workspace</a:t>
+            </a:r>
+            <a:r>
+              <a:rPr lang="fr-FR" sz="1050" dirty="0"/>
+              <a:t> sur Azure Machine Learning, on peut commencer à utiliser le service en créant une nouvelle expérience. Il suffit ensuite de </a:t>
+            </a:r>
+            <a:r>
+              <a:rPr lang="fr-FR" sz="1050" dirty="0">
+                <a:solidFill>
+                  <a:schemeClr val="accent3">
+                    <a:lumMod val="75000"/>
+                  </a:schemeClr>
+                </a:solidFill>
+              </a:rPr>
+              <a:t>déplacer les modules </a:t>
+            </a:r>
+            <a:r>
+              <a:rPr lang="fr-FR" sz="1050" dirty="0"/>
+              <a:t>que l’on souhaite utiliser dans notre </a:t>
+            </a:r>
+            <a:r>
+              <a:rPr lang="fr-FR" sz="1050" dirty="0" smtClean="0">
+                <a:solidFill>
+                  <a:schemeClr val="accent3">
+                    <a:lumMod val="75000"/>
+                  </a:schemeClr>
+                </a:solidFill>
+              </a:rPr>
+              <a:t>pipeline</a:t>
+            </a:r>
+            <a:endParaRPr lang="fr-FR" sz="1100" dirty="0" smtClean="0">
+              <a:solidFill>
+                <a:schemeClr val="accent3">
+                  <a:lumMod val="75000"/>
+                </a:schemeClr>
+              </a:solidFill>
+            </a:endParaRPr>
+          </a:p>
+        </p:txBody>
+      </p:sp>
+    </p:spTree>
+    <p:extLst>
+      <p:ext uri="{BB962C8B-B14F-4D97-AF65-F5344CB8AC3E}">
+        <p14:creationId xmlns:p14="http://schemas.microsoft.com/office/powerpoint/2010/main" val="1893282735"/>
+      </p:ext>
+    </p:extLst>
+  </p:cSld>
+  <p:clrMapOvr>
+    <a:masterClrMapping/>
+  </p:clrMapOvr>
+  <p:timing>
+    <p:tnLst>
+      <p:par>
+        <p:cTn id="1" dur="indefinite" restart="never" nodeType="tmRoot"/>
+      </p:par>
+    </p:tnLst>
+  </p:timing>
+</p:sld>
+</file>
+
+<file path=ppt/slides/slide9.xml><?xml version="1.0" encoding="utf-8"?>
+<p:sld xmlns:a="http://schemas.openxmlformats.org/drawingml/2006/main" xmlns:r="http://schemas.openxmlformats.org/officeDocument/2006/relationships" xmlns:p="http://schemas.openxmlformats.org/presentationml/2006/main">
+  <p:cSld>
+    <p:spTree>
+      <p:nvGrpSpPr>
+        <p:cNvPr id="1" name=""/>
+        <p:cNvGrpSpPr/>
+        <p:nvPr/>
+      </p:nvGrpSpPr>
+      <p:grpSpPr>
+        <a:xfrm>
+          <a:off x="0" y="0"/>
+          <a:ext cx="0" cy="0"/>
+          <a:chOff x="0" y="0"/>
+          <a:chExt cx="0" cy="0"/>
+        </a:xfrm>
+      </p:grpSpPr>
+      <p:sp>
+        <p:nvSpPr>
+          <p:cNvPr id="7" name="Titre 2"/>
+          <p:cNvSpPr txBox="1">
+            <a:spLocks/>
+          </p:cNvSpPr>
+          <p:nvPr/>
+        </p:nvSpPr>
+        <p:spPr>
+          <a:xfrm>
+            <a:off x="406176" y="425851"/>
+            <a:ext cx="7653305" cy="577800"/>
+          </a:xfrm>
+          <a:prstGeom prst="rect">
+            <a:avLst/>
+          </a:prstGeom>
+          <a:noFill/>
+          <a:ln>
+            <a:noFill/>
+          </a:ln>
+        </p:spPr>
+        <p:txBody>
+          <a:bodyPr spcFirstLastPara="1" wrap="square" lIns="91425" tIns="91425" rIns="91425" bIns="91425" anchor="b" anchorCtr="0">
+            <a:noAutofit/>
+          </a:bodyPr>
+          <a:lstStyle>
+            <a:defPPr marR="0" lvl="0" algn="l" rtl="0">
+              <a:lnSpc>
+                <a:spcPct val="100000"/>
+              </a:lnSpc>
+              <a:spcBef>
+                <a:spcPts val="0"/>
+              </a:spcBef>
+              <a:spcAft>
+                <a:spcPts val="0"/>
+              </a:spcAft>
+            </a:defPPr>
+            <a:lvl1pPr marR="0" lvl="0" algn="l" rtl="0">
+              <a:lnSpc>
+                <a:spcPct val="100000"/>
+              </a:lnSpc>
+              <a:spcBef>
+                <a:spcPts val="0"/>
+              </a:spcBef>
+              <a:spcAft>
+                <a:spcPts val="0"/>
+              </a:spcAft>
+              <a:buClr>
+                <a:srgbClr val="000000"/>
+              </a:buClr>
+              <a:buSzPts val="3600"/>
+              <a:buFont typeface="Share Tech"/>
+              <a:buNone/>
+              <a:defRPr sz="3000" b="0" i="0" u="none" strike="noStrike" cap="none">
+                <a:solidFill>
+                  <a:schemeClr val="lt1"/>
+                </a:solidFill>
+                <a:latin typeface="Share Tech"/>
+                <a:ea typeface="Share Tech"/>
+                <a:cs typeface="Share Tech"/>
+                <a:sym typeface="Share Tech"/>
+              </a:defRPr>
+            </a:lvl1pPr>
+            <a:lvl2pPr marR="0" lvl="1" algn="ctr" rtl="0">
+              <a:lnSpc>
+                <a:spcPct val="100000"/>
+              </a:lnSpc>
+              <a:spcBef>
+                <a:spcPts val="0"/>
+              </a:spcBef>
+              <a:spcAft>
+                <a:spcPts val="0"/>
+              </a:spcAft>
+              <a:buClr>
+                <a:srgbClr val="D9D9D9"/>
+              </a:buClr>
+              <a:buSzPts val="1800"/>
+              <a:buFont typeface="Share Tech"/>
+              <a:buNone/>
+              <a:defRPr sz="1800" b="0" i="0" u="none" strike="noStrike" cap="none">
+                <a:solidFill>
+                  <a:srgbClr val="D9D9D9"/>
+                </a:solidFill>
+                <a:latin typeface="Share Tech"/>
+                <a:ea typeface="Share Tech"/>
+                <a:cs typeface="Share Tech"/>
+                <a:sym typeface="Share Tech"/>
+              </a:defRPr>
+            </a:lvl2pPr>
+            <a:lvl3pPr marR="0" lvl="2" algn="ctr" rtl="0">
+              <a:lnSpc>
+                <a:spcPct val="100000"/>
+              </a:lnSpc>
+              <a:spcBef>
+                <a:spcPts val="0"/>
+              </a:spcBef>
+              <a:spcAft>
+                <a:spcPts val="0"/>
+              </a:spcAft>
+              <a:buClr>
+                <a:srgbClr val="D9D9D9"/>
+              </a:buClr>
+              <a:buSzPts val="1800"/>
+              <a:buFont typeface="Share Tech"/>
+              <a:buNone/>
+              <a:defRPr sz="1800" b="0" i="0" u="none" strike="noStrike" cap="none">
+                <a:solidFill>
+                  <a:srgbClr val="D9D9D9"/>
+                </a:solidFill>
+                <a:latin typeface="Share Tech"/>
+                <a:ea typeface="Share Tech"/>
+                <a:cs typeface="Share Tech"/>
+                <a:sym typeface="Share Tech"/>
+              </a:defRPr>
+            </a:lvl3pPr>
+            <a:lvl4pPr marR="0" lvl="3" algn="ctr" rtl="0">
+              <a:lnSpc>
+                <a:spcPct val="100000"/>
+              </a:lnSpc>
+              <a:spcBef>
+                <a:spcPts val="0"/>
+              </a:spcBef>
+              <a:spcAft>
+                <a:spcPts val="0"/>
+              </a:spcAft>
+              <a:buClr>
+                <a:srgbClr val="D9D9D9"/>
+              </a:buClr>
+              <a:buSzPts val="1800"/>
+              <a:buFont typeface="Share Tech"/>
+              <a:buNone/>
+              <a:defRPr sz="1800" b="0" i="0" u="none" strike="noStrike" cap="none">
+                <a:solidFill>
+                  <a:srgbClr val="D9D9D9"/>
+                </a:solidFill>
+                <a:latin typeface="Share Tech"/>
+                <a:ea typeface="Share Tech"/>
+                <a:cs typeface="Share Tech"/>
+                <a:sym typeface="Share Tech"/>
+              </a:defRPr>
+            </a:lvl4pPr>
+            <a:lvl5pPr marR="0" lvl="4" algn="ctr" rtl="0">
+              <a:lnSpc>
+                <a:spcPct val="100000"/>
+              </a:lnSpc>
+              <a:spcBef>
+                <a:spcPts val="0"/>
+              </a:spcBef>
+              <a:spcAft>
+                <a:spcPts val="0"/>
+              </a:spcAft>
+              <a:buClr>
+                <a:srgbClr val="D9D9D9"/>
+              </a:buClr>
+              <a:buSzPts val="1800"/>
+              <a:buFont typeface="Share Tech"/>
+              <a:buNone/>
+              <a:defRPr sz="1800" b="0" i="0" u="none" strike="noStrike" cap="none">
+                <a:solidFill>
+                  <a:srgbClr val="D9D9D9"/>
+                </a:solidFill>
+                <a:latin typeface="Share Tech"/>
+                <a:ea typeface="Share Tech"/>
+                <a:cs typeface="Share Tech"/>
+                <a:sym typeface="Share Tech"/>
+              </a:defRPr>
+            </a:lvl5pPr>
+            <a:lvl6pPr marR="0" lvl="5" algn="ctr" rtl="0">
+              <a:lnSpc>
+                <a:spcPct val="100000"/>
+              </a:lnSpc>
+              <a:spcBef>
+                <a:spcPts val="0"/>
+              </a:spcBef>
+              <a:spcAft>
+                <a:spcPts val="0"/>
+              </a:spcAft>
+              <a:buClr>
+                <a:srgbClr val="D9D9D9"/>
+              </a:buClr>
+              <a:buSzPts val="1800"/>
+              <a:buFont typeface="Share Tech"/>
+              <a:buNone/>
+              <a:defRPr sz="1800" b="0" i="0" u="none" strike="noStrike" cap="none">
+                <a:solidFill>
+                  <a:srgbClr val="D9D9D9"/>
+                </a:solidFill>
+                <a:latin typeface="Share Tech"/>
+                <a:ea typeface="Share Tech"/>
+                <a:cs typeface="Share Tech"/>
+                <a:sym typeface="Share Tech"/>
+              </a:defRPr>
+            </a:lvl6pPr>
+            <a:lvl7pPr marR="0" lvl="6" algn="ctr" rtl="0">
+              <a:lnSpc>
+                <a:spcPct val="100000"/>
+              </a:lnSpc>
+              <a:spcBef>
+                <a:spcPts val="0"/>
+              </a:spcBef>
+              <a:spcAft>
+                <a:spcPts val="0"/>
+              </a:spcAft>
+              <a:buClr>
+                <a:srgbClr val="D9D9D9"/>
+              </a:buClr>
+              <a:buSzPts val="1800"/>
+              <a:buFont typeface="Share Tech"/>
+              <a:buNone/>
+              <a:defRPr sz="1800" b="0" i="0" u="none" strike="noStrike" cap="none">
+                <a:solidFill>
+                  <a:srgbClr val="D9D9D9"/>
+                </a:solidFill>
+                <a:latin typeface="Share Tech"/>
+                <a:ea typeface="Share Tech"/>
+                <a:cs typeface="Share Tech"/>
+                <a:sym typeface="Share Tech"/>
+              </a:defRPr>
+            </a:lvl7pPr>
+            <a:lvl8pPr marR="0" lvl="7" algn="ctr" rtl="0">
+              <a:lnSpc>
+                <a:spcPct val="100000"/>
+              </a:lnSpc>
+              <a:spcBef>
+                <a:spcPts val="0"/>
+              </a:spcBef>
+              <a:spcAft>
+                <a:spcPts val="0"/>
+              </a:spcAft>
+              <a:buClr>
+                <a:srgbClr val="D9D9D9"/>
+              </a:buClr>
+              <a:buSzPts val="1800"/>
+              <a:buFont typeface="Share Tech"/>
+              <a:buNone/>
+              <a:defRPr sz="1800" b="0" i="0" u="none" strike="noStrike" cap="none">
+                <a:solidFill>
+                  <a:srgbClr val="D9D9D9"/>
+                </a:solidFill>
+                <a:latin typeface="Share Tech"/>
+                <a:ea typeface="Share Tech"/>
+                <a:cs typeface="Share Tech"/>
+                <a:sym typeface="Share Tech"/>
+              </a:defRPr>
+            </a:lvl8pPr>
+            <a:lvl9pPr marR="0" lvl="8" algn="ctr" rtl="0">
+              <a:lnSpc>
+                <a:spcPct val="100000"/>
+              </a:lnSpc>
+              <a:spcBef>
+                <a:spcPts val="0"/>
+              </a:spcBef>
+              <a:spcAft>
+                <a:spcPts val="0"/>
+              </a:spcAft>
+              <a:buClr>
+                <a:srgbClr val="D9D9D9"/>
+              </a:buClr>
+              <a:buSzPts val="1800"/>
+              <a:buFont typeface="Share Tech"/>
+              <a:buNone/>
+              <a:defRPr sz="1800" b="0" i="0" u="none" strike="noStrike" cap="none">
+                <a:solidFill>
+                  <a:srgbClr val="D9D9D9"/>
+                </a:solidFill>
+                <a:latin typeface="Share Tech"/>
+                <a:ea typeface="Share Tech"/>
+                <a:cs typeface="Share Tech"/>
+                <a:sym typeface="Share Tech"/>
+              </a:defRPr>
+            </a:lvl9pPr>
+          </a:lstStyle>
+          <a:p>
             <a:r>
               <a:rPr lang="fr-FR" dirty="0" smtClean="0">
                 <a:solidFill>
                   <a:schemeClr val="accent2"/>
                 </a:solidFill>
               </a:rPr>
-              <a:t>modèle sur mesure simple</a:t>
+              <a:t>Approche modèle sur mesure simple</a:t>
             </a:r>
             <a:endParaRPr lang="fr-FR" dirty="0">
               <a:solidFill>
@@ -22019,15 +22959,19 @@
             </a:r>
             <a:r>
               <a:rPr lang="fr-FR" sz="1200" dirty="0"/>
-              <a:t>, les caractères spéciaux, les nombres, lemmatiser, passer en </a:t>
-            </a:r>
-            <a:r>
-              <a:rPr lang="fr-FR" sz="1200" dirty="0" err="1"/>
-              <a:t>miniuscule</a:t>
+              <a:t>, les caractères spéciaux, les nombres, lemmatiser, passer </a:t>
+            </a:r>
+            <a:r>
+              <a:rPr lang="fr-FR" sz="1200"/>
+              <a:t>en </a:t>
+            </a:r>
+            <a:r>
+              <a:rPr lang="fr-FR" sz="1200" smtClean="0"/>
+              <a:t>minuscule </a:t>
             </a:r>
             <a:r>
               <a:rPr lang="fr-FR" sz="1200" dirty="0"/>
-              <a:t> etc</a:t>
+              <a:t>etc</a:t>
             </a:r>
             <a:r>
               <a:rPr lang="fr-FR" sz="1200" dirty="0" smtClean="0"/>
@@ -22189,818 +23133,6 @@
     <p:extLst>
       <p:ext uri="{BB962C8B-B14F-4D97-AF65-F5344CB8AC3E}">
         <p14:creationId xmlns:p14="http://schemas.microsoft.com/office/powerpoint/2010/main" val="1260352794"/>
-      </p:ext>
-    </p:extLst>
-  </p:cSld>
-  <p:clrMapOvr>
-    <a:masterClrMapping/>
-  </p:clrMapOvr>
-  <p:timing>
-    <p:tnLst>
-      <p:par>
-        <p:cTn id="1" dur="indefinite" restart="never" nodeType="tmRoot"/>
-      </p:par>
-    </p:tnLst>
-  </p:timing>
-</p:sld>
-</file>
-
-<file path=ppt/slides/slide9.xml><?xml version="1.0" encoding="utf-8"?>
-<p:sld xmlns:a="http://schemas.openxmlformats.org/drawingml/2006/main" xmlns:r="http://schemas.openxmlformats.org/officeDocument/2006/relationships" xmlns:p="http://schemas.openxmlformats.org/presentationml/2006/main">
-  <p:cSld>
-    <p:spTree>
-      <p:nvGrpSpPr>
-        <p:cNvPr id="1" name=""/>
-        <p:cNvGrpSpPr/>
-        <p:nvPr/>
-      </p:nvGrpSpPr>
-      <p:grpSpPr>
-        <a:xfrm>
-          <a:off x="0" y="0"/>
-          <a:ext cx="0" cy="0"/>
-          <a:chOff x="0" y="0"/>
-          <a:chExt cx="0" cy="0"/>
-        </a:xfrm>
-      </p:grpSpPr>
-      <p:sp>
-        <p:nvSpPr>
-          <p:cNvPr id="7" name="Titre 2"/>
-          <p:cNvSpPr txBox="1">
-            <a:spLocks/>
-          </p:cNvSpPr>
-          <p:nvPr/>
-        </p:nvSpPr>
-        <p:spPr>
-          <a:xfrm>
-            <a:off x="406176" y="425851"/>
-            <a:ext cx="7653305" cy="577800"/>
-          </a:xfrm>
-          <a:prstGeom prst="rect">
-            <a:avLst/>
-          </a:prstGeom>
-          <a:noFill/>
-          <a:ln>
-            <a:noFill/>
-          </a:ln>
-        </p:spPr>
-        <p:txBody>
-          <a:bodyPr spcFirstLastPara="1" wrap="square" lIns="91425" tIns="91425" rIns="91425" bIns="91425" anchor="b" anchorCtr="0">
-            <a:noAutofit/>
-          </a:bodyPr>
-          <a:lstStyle>
-            <a:defPPr marR="0" lvl="0" algn="l" rtl="0">
-              <a:lnSpc>
-                <a:spcPct val="100000"/>
-              </a:lnSpc>
-              <a:spcBef>
-                <a:spcPts val="0"/>
-              </a:spcBef>
-              <a:spcAft>
-                <a:spcPts val="0"/>
-              </a:spcAft>
-            </a:defPPr>
-            <a:lvl1pPr marR="0" lvl="0" algn="l" rtl="0">
-              <a:lnSpc>
-                <a:spcPct val="100000"/>
-              </a:lnSpc>
-              <a:spcBef>
-                <a:spcPts val="0"/>
-              </a:spcBef>
-              <a:spcAft>
-                <a:spcPts val="0"/>
-              </a:spcAft>
-              <a:buClr>
-                <a:srgbClr val="000000"/>
-              </a:buClr>
-              <a:buSzPts val="3600"/>
-              <a:buFont typeface="Share Tech"/>
-              <a:buNone/>
-              <a:defRPr sz="3000" b="0" i="0" u="none" strike="noStrike" cap="none">
-                <a:solidFill>
-                  <a:schemeClr val="lt1"/>
-                </a:solidFill>
-                <a:latin typeface="Share Tech"/>
-                <a:ea typeface="Share Tech"/>
-                <a:cs typeface="Share Tech"/>
-                <a:sym typeface="Share Tech"/>
-              </a:defRPr>
-            </a:lvl1pPr>
-            <a:lvl2pPr marR="0" lvl="1" algn="ctr" rtl="0">
-              <a:lnSpc>
-                <a:spcPct val="100000"/>
-              </a:lnSpc>
-              <a:spcBef>
-                <a:spcPts val="0"/>
-              </a:spcBef>
-              <a:spcAft>
-                <a:spcPts val="0"/>
-              </a:spcAft>
-              <a:buClr>
-                <a:srgbClr val="D9D9D9"/>
-              </a:buClr>
-              <a:buSzPts val="1800"/>
-              <a:buFont typeface="Share Tech"/>
-              <a:buNone/>
-              <a:defRPr sz="1800" b="0" i="0" u="none" strike="noStrike" cap="none">
-                <a:solidFill>
-                  <a:srgbClr val="D9D9D9"/>
-                </a:solidFill>
-                <a:latin typeface="Share Tech"/>
-                <a:ea typeface="Share Tech"/>
-                <a:cs typeface="Share Tech"/>
-                <a:sym typeface="Share Tech"/>
-              </a:defRPr>
-            </a:lvl2pPr>
-            <a:lvl3pPr marR="0" lvl="2" algn="ctr" rtl="0">
-              <a:lnSpc>
-                <a:spcPct val="100000"/>
-              </a:lnSpc>
-              <a:spcBef>
-                <a:spcPts val="0"/>
-              </a:spcBef>
-              <a:spcAft>
-                <a:spcPts val="0"/>
-              </a:spcAft>
-              <a:buClr>
-                <a:srgbClr val="D9D9D9"/>
-              </a:buClr>
-              <a:buSzPts val="1800"/>
-              <a:buFont typeface="Share Tech"/>
-              <a:buNone/>
-              <a:defRPr sz="1800" b="0" i="0" u="none" strike="noStrike" cap="none">
-                <a:solidFill>
-                  <a:srgbClr val="D9D9D9"/>
-                </a:solidFill>
-                <a:latin typeface="Share Tech"/>
-                <a:ea typeface="Share Tech"/>
-                <a:cs typeface="Share Tech"/>
-                <a:sym typeface="Share Tech"/>
-              </a:defRPr>
-            </a:lvl3pPr>
-            <a:lvl4pPr marR="0" lvl="3" algn="ctr" rtl="0">
-              <a:lnSpc>
-                <a:spcPct val="100000"/>
-              </a:lnSpc>
-              <a:spcBef>
-                <a:spcPts val="0"/>
-              </a:spcBef>
-              <a:spcAft>
-                <a:spcPts val="0"/>
-              </a:spcAft>
-              <a:buClr>
-                <a:srgbClr val="D9D9D9"/>
-              </a:buClr>
-              <a:buSzPts val="1800"/>
-              <a:buFont typeface="Share Tech"/>
-              <a:buNone/>
-              <a:defRPr sz="1800" b="0" i="0" u="none" strike="noStrike" cap="none">
-                <a:solidFill>
-                  <a:srgbClr val="D9D9D9"/>
-                </a:solidFill>
-                <a:latin typeface="Share Tech"/>
-                <a:ea typeface="Share Tech"/>
-                <a:cs typeface="Share Tech"/>
-                <a:sym typeface="Share Tech"/>
-              </a:defRPr>
-            </a:lvl4pPr>
-            <a:lvl5pPr marR="0" lvl="4" algn="ctr" rtl="0">
-              <a:lnSpc>
-                <a:spcPct val="100000"/>
-              </a:lnSpc>
-              <a:spcBef>
-                <a:spcPts val="0"/>
-              </a:spcBef>
-              <a:spcAft>
-                <a:spcPts val="0"/>
-              </a:spcAft>
-              <a:buClr>
-                <a:srgbClr val="D9D9D9"/>
-              </a:buClr>
-              <a:buSzPts val="1800"/>
-              <a:buFont typeface="Share Tech"/>
-              <a:buNone/>
-              <a:defRPr sz="1800" b="0" i="0" u="none" strike="noStrike" cap="none">
-                <a:solidFill>
-                  <a:srgbClr val="D9D9D9"/>
-                </a:solidFill>
-                <a:latin typeface="Share Tech"/>
-                <a:ea typeface="Share Tech"/>
-                <a:cs typeface="Share Tech"/>
-                <a:sym typeface="Share Tech"/>
-              </a:defRPr>
-            </a:lvl5pPr>
-            <a:lvl6pPr marR="0" lvl="5" algn="ctr" rtl="0">
-              <a:lnSpc>
-                <a:spcPct val="100000"/>
-              </a:lnSpc>
-              <a:spcBef>
-                <a:spcPts val="0"/>
-              </a:spcBef>
-              <a:spcAft>
-                <a:spcPts val="0"/>
-              </a:spcAft>
-              <a:buClr>
-                <a:srgbClr val="D9D9D9"/>
-              </a:buClr>
-              <a:buSzPts val="1800"/>
-              <a:buFont typeface="Share Tech"/>
-              <a:buNone/>
-              <a:defRPr sz="1800" b="0" i="0" u="none" strike="noStrike" cap="none">
-                <a:solidFill>
-                  <a:srgbClr val="D9D9D9"/>
-                </a:solidFill>
-                <a:latin typeface="Share Tech"/>
-                <a:ea typeface="Share Tech"/>
-                <a:cs typeface="Share Tech"/>
-                <a:sym typeface="Share Tech"/>
-              </a:defRPr>
-            </a:lvl6pPr>
-            <a:lvl7pPr marR="0" lvl="6" algn="ctr" rtl="0">
-              <a:lnSpc>
-                <a:spcPct val="100000"/>
-              </a:lnSpc>
-              <a:spcBef>
-                <a:spcPts val="0"/>
-              </a:spcBef>
-              <a:spcAft>
-                <a:spcPts val="0"/>
-              </a:spcAft>
-              <a:buClr>
-                <a:srgbClr val="D9D9D9"/>
-              </a:buClr>
-              <a:buSzPts val="1800"/>
-              <a:buFont typeface="Share Tech"/>
-              <a:buNone/>
-              <a:defRPr sz="1800" b="0" i="0" u="none" strike="noStrike" cap="none">
-                <a:solidFill>
-                  <a:srgbClr val="D9D9D9"/>
-                </a:solidFill>
-                <a:latin typeface="Share Tech"/>
-                <a:ea typeface="Share Tech"/>
-                <a:cs typeface="Share Tech"/>
-                <a:sym typeface="Share Tech"/>
-              </a:defRPr>
-            </a:lvl7pPr>
-            <a:lvl8pPr marR="0" lvl="7" algn="ctr" rtl="0">
-              <a:lnSpc>
-                <a:spcPct val="100000"/>
-              </a:lnSpc>
-              <a:spcBef>
-                <a:spcPts val="0"/>
-              </a:spcBef>
-              <a:spcAft>
-                <a:spcPts val="0"/>
-              </a:spcAft>
-              <a:buClr>
-                <a:srgbClr val="D9D9D9"/>
-              </a:buClr>
-              <a:buSzPts val="1800"/>
-              <a:buFont typeface="Share Tech"/>
-              <a:buNone/>
-              <a:defRPr sz="1800" b="0" i="0" u="none" strike="noStrike" cap="none">
-                <a:solidFill>
-                  <a:srgbClr val="D9D9D9"/>
-                </a:solidFill>
-                <a:latin typeface="Share Tech"/>
-                <a:ea typeface="Share Tech"/>
-                <a:cs typeface="Share Tech"/>
-                <a:sym typeface="Share Tech"/>
-              </a:defRPr>
-            </a:lvl8pPr>
-            <a:lvl9pPr marR="0" lvl="8" algn="ctr" rtl="0">
-              <a:lnSpc>
-                <a:spcPct val="100000"/>
-              </a:lnSpc>
-              <a:spcBef>
-                <a:spcPts val="0"/>
-              </a:spcBef>
-              <a:spcAft>
-                <a:spcPts val="0"/>
-              </a:spcAft>
-              <a:buClr>
-                <a:srgbClr val="D9D9D9"/>
-              </a:buClr>
-              <a:buSzPts val="1800"/>
-              <a:buFont typeface="Share Tech"/>
-              <a:buNone/>
-              <a:defRPr sz="1800" b="0" i="0" u="none" strike="noStrike" cap="none">
-                <a:solidFill>
-                  <a:srgbClr val="D9D9D9"/>
-                </a:solidFill>
-                <a:latin typeface="Share Tech"/>
-                <a:ea typeface="Share Tech"/>
-                <a:cs typeface="Share Tech"/>
-                <a:sym typeface="Share Tech"/>
-              </a:defRPr>
-            </a:lvl9pPr>
-          </a:lstStyle>
-          <a:p>
-            <a:r>
-              <a:rPr lang="fr-FR" dirty="0">
-                <a:solidFill>
-                  <a:schemeClr val="accent2"/>
-                </a:solidFill>
-              </a:rPr>
-              <a:t>Approche modèle sur mesure simple</a:t>
-            </a:r>
-            <a:endParaRPr lang="fr-FR" dirty="0">
-              <a:solidFill>
-                <a:schemeClr val="accent2"/>
-              </a:solidFill>
-            </a:endParaRPr>
-          </a:p>
-        </p:txBody>
-      </p:sp>
-      <p:sp>
-        <p:nvSpPr>
-          <p:cNvPr id="6" name="Espace réservé du texte 1"/>
-          <p:cNvSpPr txBox="1">
-            <a:spLocks/>
-          </p:cNvSpPr>
-          <p:nvPr/>
-        </p:nvSpPr>
-        <p:spPr>
-          <a:xfrm>
-            <a:off x="495371" y="949962"/>
-            <a:ext cx="6826704" cy="376951"/>
-          </a:xfrm>
-          <a:prstGeom prst="rect">
-            <a:avLst/>
-          </a:prstGeom>
-          <a:noFill/>
-          <a:ln>
-            <a:noFill/>
-          </a:ln>
-        </p:spPr>
-        <p:txBody>
-          <a:bodyPr spcFirstLastPara="1" wrap="square" lIns="91425" tIns="91425" rIns="91425" bIns="91425" anchor="t" anchorCtr="0">
-            <a:noAutofit/>
-          </a:bodyPr>
-          <a:lstStyle>
-            <a:defPPr marR="0" lvl="0" algn="l" rtl="0">
-              <a:lnSpc>
-                <a:spcPct val="100000"/>
-              </a:lnSpc>
-              <a:spcBef>
-                <a:spcPts val="0"/>
-              </a:spcBef>
-              <a:spcAft>
-                <a:spcPts val="0"/>
-              </a:spcAft>
-            </a:defPPr>
-            <a:lvl1pPr marL="457200" marR="0" lvl="0" indent="-342900" algn="l" rtl="0">
-              <a:lnSpc>
-                <a:spcPct val="100000"/>
-              </a:lnSpc>
-              <a:spcBef>
-                <a:spcPts val="0"/>
-              </a:spcBef>
-              <a:spcAft>
-                <a:spcPts val="0"/>
-              </a:spcAft>
-              <a:buClr>
-                <a:schemeClr val="lt1"/>
-              </a:buClr>
-              <a:buSzPts val="1800"/>
-              <a:buFont typeface="Maven Pro"/>
-              <a:buChar char="●"/>
-              <a:defRPr sz="1800" b="0" i="0" u="none" strike="noStrike" cap="none">
-                <a:solidFill>
-                  <a:schemeClr val="lt1"/>
-                </a:solidFill>
-                <a:latin typeface="Maven Pro"/>
-                <a:ea typeface="Maven Pro"/>
-                <a:cs typeface="Maven Pro"/>
-                <a:sym typeface="Maven Pro"/>
-              </a:defRPr>
-            </a:lvl1pPr>
-            <a:lvl2pPr marL="914400" marR="0" lvl="1" indent="-317500" algn="l" rtl="0">
-              <a:lnSpc>
-                <a:spcPct val="115000"/>
-              </a:lnSpc>
-              <a:spcBef>
-                <a:spcPts val="0"/>
-              </a:spcBef>
-              <a:spcAft>
-                <a:spcPts val="0"/>
-              </a:spcAft>
-              <a:buClr>
-                <a:schemeClr val="lt1"/>
-              </a:buClr>
-              <a:buSzPts val="1400"/>
-              <a:buFont typeface="Maven Pro"/>
-              <a:buChar char="○"/>
-              <a:defRPr sz="1400" b="0" i="0" u="none" strike="noStrike" cap="none">
-                <a:solidFill>
-                  <a:schemeClr val="lt1"/>
-                </a:solidFill>
-                <a:latin typeface="Maven Pro"/>
-                <a:ea typeface="Maven Pro"/>
-                <a:cs typeface="Maven Pro"/>
-                <a:sym typeface="Maven Pro"/>
-              </a:defRPr>
-            </a:lvl2pPr>
-            <a:lvl3pPr marL="1371600" marR="0" lvl="2" indent="-317500" algn="l" rtl="0">
-              <a:lnSpc>
-                <a:spcPct val="115000"/>
-              </a:lnSpc>
-              <a:spcBef>
-                <a:spcPts val="1600"/>
-              </a:spcBef>
-              <a:spcAft>
-                <a:spcPts val="0"/>
-              </a:spcAft>
-              <a:buClr>
-                <a:schemeClr val="lt1"/>
-              </a:buClr>
-              <a:buSzPts val="1400"/>
-              <a:buFont typeface="Maven Pro"/>
-              <a:buChar char="■"/>
-              <a:defRPr sz="1400" b="0" i="0" u="none" strike="noStrike" cap="none">
-                <a:solidFill>
-                  <a:schemeClr val="lt1"/>
-                </a:solidFill>
-                <a:latin typeface="Maven Pro"/>
-                <a:ea typeface="Maven Pro"/>
-                <a:cs typeface="Maven Pro"/>
-                <a:sym typeface="Maven Pro"/>
-              </a:defRPr>
-            </a:lvl3pPr>
-            <a:lvl4pPr marL="1828800" marR="0" lvl="3" indent="-317500" algn="l" rtl="0">
-              <a:lnSpc>
-                <a:spcPct val="115000"/>
-              </a:lnSpc>
-              <a:spcBef>
-                <a:spcPts val="1600"/>
-              </a:spcBef>
-              <a:spcAft>
-                <a:spcPts val="0"/>
-              </a:spcAft>
-              <a:buClr>
-                <a:schemeClr val="lt1"/>
-              </a:buClr>
-              <a:buSzPts val="1400"/>
-              <a:buFont typeface="Maven Pro"/>
-              <a:buChar char="●"/>
-              <a:defRPr sz="1400" b="0" i="0" u="none" strike="noStrike" cap="none">
-                <a:solidFill>
-                  <a:schemeClr val="lt1"/>
-                </a:solidFill>
-                <a:latin typeface="Maven Pro"/>
-                <a:ea typeface="Maven Pro"/>
-                <a:cs typeface="Maven Pro"/>
-                <a:sym typeface="Maven Pro"/>
-              </a:defRPr>
-            </a:lvl4pPr>
-            <a:lvl5pPr marL="2286000" marR="0" lvl="4" indent="-317500" algn="l" rtl="0">
-              <a:lnSpc>
-                <a:spcPct val="115000"/>
-              </a:lnSpc>
-              <a:spcBef>
-                <a:spcPts val="1600"/>
-              </a:spcBef>
-              <a:spcAft>
-                <a:spcPts val="0"/>
-              </a:spcAft>
-              <a:buClr>
-                <a:schemeClr val="lt1"/>
-              </a:buClr>
-              <a:buSzPts val="1400"/>
-              <a:buFont typeface="Maven Pro"/>
-              <a:buChar char="○"/>
-              <a:defRPr sz="1400" b="0" i="0" u="none" strike="noStrike" cap="none">
-                <a:solidFill>
-                  <a:schemeClr val="lt1"/>
-                </a:solidFill>
-                <a:latin typeface="Maven Pro"/>
-                <a:ea typeface="Maven Pro"/>
-                <a:cs typeface="Maven Pro"/>
-                <a:sym typeface="Maven Pro"/>
-              </a:defRPr>
-            </a:lvl5pPr>
-            <a:lvl6pPr marL="2743200" marR="0" lvl="5" indent="-317500" algn="l" rtl="0">
-              <a:lnSpc>
-                <a:spcPct val="115000"/>
-              </a:lnSpc>
-              <a:spcBef>
-                <a:spcPts val="1600"/>
-              </a:spcBef>
-              <a:spcAft>
-                <a:spcPts val="0"/>
-              </a:spcAft>
-              <a:buClr>
-                <a:schemeClr val="lt1"/>
-              </a:buClr>
-              <a:buSzPts val="1400"/>
-              <a:buFont typeface="Maven Pro"/>
-              <a:buChar char="■"/>
-              <a:defRPr sz="1400" b="0" i="0" u="none" strike="noStrike" cap="none">
-                <a:solidFill>
-                  <a:schemeClr val="lt1"/>
-                </a:solidFill>
-                <a:latin typeface="Maven Pro"/>
-                <a:ea typeface="Maven Pro"/>
-                <a:cs typeface="Maven Pro"/>
-                <a:sym typeface="Maven Pro"/>
-              </a:defRPr>
-            </a:lvl6pPr>
-            <a:lvl7pPr marL="3200400" marR="0" lvl="6" indent="-317500" algn="l" rtl="0">
-              <a:lnSpc>
-                <a:spcPct val="115000"/>
-              </a:lnSpc>
-              <a:spcBef>
-                <a:spcPts val="1600"/>
-              </a:spcBef>
-              <a:spcAft>
-                <a:spcPts val="0"/>
-              </a:spcAft>
-              <a:buClr>
-                <a:schemeClr val="lt1"/>
-              </a:buClr>
-              <a:buSzPts val="1400"/>
-              <a:buFont typeface="Maven Pro"/>
-              <a:buChar char="●"/>
-              <a:defRPr sz="1400" b="0" i="0" u="none" strike="noStrike" cap="none">
-                <a:solidFill>
-                  <a:schemeClr val="lt1"/>
-                </a:solidFill>
-                <a:latin typeface="Maven Pro"/>
-                <a:ea typeface="Maven Pro"/>
-                <a:cs typeface="Maven Pro"/>
-                <a:sym typeface="Maven Pro"/>
-              </a:defRPr>
-            </a:lvl7pPr>
-            <a:lvl8pPr marL="3657600" marR="0" lvl="7" indent="-317500" algn="l" rtl="0">
-              <a:lnSpc>
-                <a:spcPct val="115000"/>
-              </a:lnSpc>
-              <a:spcBef>
-                <a:spcPts val="1600"/>
-              </a:spcBef>
-              <a:spcAft>
-                <a:spcPts val="0"/>
-              </a:spcAft>
-              <a:buClr>
-                <a:schemeClr val="lt1"/>
-              </a:buClr>
-              <a:buSzPts val="1400"/>
-              <a:buFont typeface="Maven Pro"/>
-              <a:buChar char="○"/>
-              <a:defRPr sz="1400" b="0" i="0" u="none" strike="noStrike" cap="none">
-                <a:solidFill>
-                  <a:schemeClr val="lt1"/>
-                </a:solidFill>
-                <a:latin typeface="Maven Pro"/>
-                <a:ea typeface="Maven Pro"/>
-                <a:cs typeface="Maven Pro"/>
-                <a:sym typeface="Maven Pro"/>
-              </a:defRPr>
-            </a:lvl8pPr>
-            <a:lvl9pPr marL="4114800" marR="0" lvl="8" indent="-317500" algn="l" rtl="0">
-              <a:lnSpc>
-                <a:spcPct val="115000"/>
-              </a:lnSpc>
-              <a:spcBef>
-                <a:spcPts val="1600"/>
-              </a:spcBef>
-              <a:spcAft>
-                <a:spcPts val="1600"/>
-              </a:spcAft>
-              <a:buClr>
-                <a:schemeClr val="lt1"/>
-              </a:buClr>
-              <a:buSzPts val="1400"/>
-              <a:buFont typeface="Maven Pro"/>
-              <a:buChar char="■"/>
-              <a:defRPr sz="1400" b="0" i="0" u="none" strike="noStrike" cap="none">
-                <a:solidFill>
-                  <a:schemeClr val="lt1"/>
-                </a:solidFill>
-                <a:latin typeface="Maven Pro"/>
-                <a:ea typeface="Maven Pro"/>
-                <a:cs typeface="Maven Pro"/>
-                <a:sym typeface="Maven Pro"/>
-              </a:defRPr>
-            </a:lvl9pPr>
-          </a:lstStyle>
-          <a:p>
-            <a:pPr marL="114300" indent="0">
-              <a:buNone/>
-            </a:pPr>
-            <a:r>
-              <a:rPr lang="fr-FR" sz="1100" dirty="0" smtClean="0">
-                <a:solidFill>
-                  <a:schemeClr val="bg1"/>
-                </a:solidFill>
-              </a:rPr>
-              <a:t>Résultats obtenus :</a:t>
-            </a:r>
-            <a:endParaRPr lang="fr-FR" sz="1100" dirty="0">
-              <a:solidFill>
-                <a:schemeClr val="bg1"/>
-              </a:solidFill>
-            </a:endParaRPr>
-          </a:p>
-          <a:p>
-            <a:pPr marL="114300" indent="0">
-              <a:buNone/>
-            </a:pPr>
-            <a:endParaRPr lang="fr-FR" sz="1100" dirty="0" smtClean="0">
-              <a:solidFill>
-                <a:schemeClr val="bg1"/>
-              </a:solidFill>
-            </a:endParaRPr>
-          </a:p>
-        </p:txBody>
-      </p:sp>
-      <p:sp>
-        <p:nvSpPr>
-          <p:cNvPr id="3" name="ZoneTexte 2"/>
-          <p:cNvSpPr txBox="1"/>
-          <p:nvPr/>
-        </p:nvSpPr>
-        <p:spPr>
-          <a:xfrm>
-            <a:off x="2860079" y="3798995"/>
-            <a:ext cx="4118238" cy="938719"/>
-          </a:xfrm>
-          <a:prstGeom prst="rect">
-            <a:avLst/>
-          </a:prstGeom>
-          <a:noFill/>
-        </p:spPr>
-        <p:txBody>
-          <a:bodyPr wrap="square" rtlCol="0">
-            <a:spAutoFit/>
-          </a:bodyPr>
-          <a:lstStyle/>
-          <a:p>
-            <a:r>
-              <a:rPr lang="fr-FR" sz="1100" dirty="0">
-                <a:solidFill>
-                  <a:schemeClr val="bg1"/>
-                </a:solidFill>
-                <a:latin typeface="Maven Pro" panose="020B0604020202020204" charset="0"/>
-              </a:rPr>
-              <a:t>Le modèle avec la vectorisation </a:t>
-            </a:r>
-            <a:r>
-              <a:rPr lang="fr-FR" sz="1100" dirty="0">
-                <a:solidFill>
-                  <a:schemeClr val="accent3">
-                    <a:lumMod val="75000"/>
-                  </a:schemeClr>
-                </a:solidFill>
-                <a:latin typeface="Maven Pro" panose="020B0604020202020204" charset="0"/>
-              </a:rPr>
-              <a:t>N-Gram </a:t>
-            </a:r>
-            <a:r>
-              <a:rPr lang="fr-FR" sz="1100" dirty="0" err="1">
-                <a:solidFill>
-                  <a:schemeClr val="accent3">
-                    <a:lumMod val="75000"/>
-                  </a:schemeClr>
-                </a:solidFill>
-                <a:latin typeface="Maven Pro" panose="020B0604020202020204" charset="0"/>
-              </a:rPr>
-              <a:t>Features</a:t>
-            </a:r>
-            <a:r>
-              <a:rPr lang="fr-FR" sz="1100" dirty="0">
-                <a:solidFill>
-                  <a:schemeClr val="accent3">
-                    <a:lumMod val="75000"/>
-                  </a:schemeClr>
-                </a:solidFill>
-                <a:latin typeface="Maven Pro" panose="020B0604020202020204" charset="0"/>
-              </a:rPr>
-              <a:t> </a:t>
-            </a:r>
-            <a:r>
-              <a:rPr lang="fr-FR" sz="1100" dirty="0">
-                <a:solidFill>
-                  <a:schemeClr val="bg1"/>
-                </a:solidFill>
-                <a:latin typeface="Maven Pro" panose="020B0604020202020204" charset="0"/>
-              </a:rPr>
-              <a:t>est le plus performant, voici les métriques :</a:t>
-            </a:r>
-          </a:p>
-          <a:p>
-            <a:endParaRPr lang="fr-FR" sz="1100" dirty="0">
-              <a:solidFill>
-                <a:schemeClr val="bg1"/>
-              </a:solidFill>
-              <a:latin typeface="Maven Pro" panose="020B0604020202020204" charset="0"/>
-            </a:endParaRPr>
-          </a:p>
-          <a:p>
-            <a:r>
-              <a:rPr lang="fr-FR" sz="1100" b="1" dirty="0" err="1">
-                <a:solidFill>
-                  <a:schemeClr val="bg1"/>
-                </a:solidFill>
-                <a:latin typeface="Maven Pro" panose="020B0604020202020204" charset="0"/>
-              </a:rPr>
-              <a:t>Accuracy</a:t>
-            </a:r>
-            <a:r>
-              <a:rPr lang="fr-FR" sz="1100" dirty="0">
-                <a:solidFill>
-                  <a:schemeClr val="bg1"/>
-                </a:solidFill>
-                <a:latin typeface="Maven Pro" panose="020B0604020202020204" charset="0"/>
-              </a:rPr>
-              <a:t> : 0.725</a:t>
-            </a:r>
-          </a:p>
-          <a:p>
-            <a:r>
-              <a:rPr lang="fr-FR" sz="1100" b="1" dirty="0">
-                <a:solidFill>
-                  <a:schemeClr val="bg1"/>
-                </a:solidFill>
-                <a:latin typeface="Maven Pro" panose="020B0604020202020204" charset="0"/>
-              </a:rPr>
-              <a:t>ROC AUC </a:t>
-            </a:r>
-            <a:r>
-              <a:rPr lang="fr-FR" sz="1100" dirty="0">
-                <a:solidFill>
-                  <a:schemeClr val="bg1"/>
-                </a:solidFill>
-                <a:latin typeface="Maven Pro" panose="020B0604020202020204" charset="0"/>
-              </a:rPr>
-              <a:t>: 0.81</a:t>
-            </a:r>
-          </a:p>
-        </p:txBody>
-      </p:sp>
-      <p:pic>
-        <p:nvPicPr>
-          <p:cNvPr id="4" name="Image 3"/>
-          <p:cNvPicPr>
-            <a:picLocks noChangeAspect="1"/>
-          </p:cNvPicPr>
-          <p:nvPr/>
-        </p:nvPicPr>
-        <p:blipFill>
-          <a:blip r:embed="rId2">
-            <a:extLst>
-              <a:ext uri="{28A0092B-C50C-407E-A947-70E740481C1C}">
-                <a14:useLocalDpi xmlns:a14="http://schemas.microsoft.com/office/drawing/2010/main" val="0"/>
-              </a:ext>
-            </a:extLst>
-          </a:blip>
-          <a:stretch>
-            <a:fillRect/>
-          </a:stretch>
-        </p:blipFill>
-        <p:spPr>
-          <a:xfrm>
-            <a:off x="406176" y="1291001"/>
-            <a:ext cx="3682588" cy="2426840"/>
-          </a:xfrm>
-          <a:prstGeom prst="rect">
-            <a:avLst/>
-          </a:prstGeom>
-        </p:spPr>
-      </p:pic>
-      <p:pic>
-        <p:nvPicPr>
-          <p:cNvPr id="5" name="Image 4"/>
-          <p:cNvPicPr>
-            <a:picLocks noChangeAspect="1"/>
-          </p:cNvPicPr>
-          <p:nvPr/>
-        </p:nvPicPr>
-        <p:blipFill>
-          <a:blip r:embed="rId3">
-            <a:extLst>
-              <a:ext uri="{28A0092B-C50C-407E-A947-70E740481C1C}">
-                <a14:useLocalDpi xmlns:a14="http://schemas.microsoft.com/office/drawing/2010/main" val="0"/>
-              </a:ext>
-            </a:extLst>
-          </a:blip>
-          <a:stretch>
-            <a:fillRect/>
-          </a:stretch>
-        </p:blipFill>
-        <p:spPr>
-          <a:xfrm>
-            <a:off x="4232828" y="1291001"/>
-            <a:ext cx="3767245" cy="2431543"/>
-          </a:xfrm>
-          <a:prstGeom prst="rect">
-            <a:avLst/>
-          </a:prstGeom>
-        </p:spPr>
-      </p:pic>
-    </p:spTree>
-    <p:extLst>
-      <p:ext uri="{BB962C8B-B14F-4D97-AF65-F5344CB8AC3E}">
-        <p14:creationId xmlns:p14="http://schemas.microsoft.com/office/powerpoint/2010/main" val="710783384"/>
       </p:ext>
     </p:extLst>
   </p:cSld>
